--- a/document/マトリクス進行v1.pptx
+++ b/document/マトリクス進行v1.pptx
@@ -7,18 +7,19 @@
   <p:sldIdLst>
     <p:sldId id="256" r:id="rId2"/>
     <p:sldId id="257" r:id="rId3"/>
-    <p:sldId id="258" r:id="rId4"/>
-    <p:sldId id="259" r:id="rId5"/>
-    <p:sldId id="260" r:id="rId6"/>
-    <p:sldId id="261" r:id="rId7"/>
-    <p:sldId id="262" r:id="rId8"/>
-    <p:sldId id="263" r:id="rId9"/>
-    <p:sldId id="264" r:id="rId10"/>
-    <p:sldId id="268" r:id="rId11"/>
-    <p:sldId id="269" r:id="rId12"/>
-    <p:sldId id="270" r:id="rId13"/>
-    <p:sldId id="271" r:id="rId14"/>
-    <p:sldId id="267" r:id="rId15"/>
+    <p:sldId id="272" r:id="rId4"/>
+    <p:sldId id="258" r:id="rId5"/>
+    <p:sldId id="259" r:id="rId6"/>
+    <p:sldId id="260" r:id="rId7"/>
+    <p:sldId id="261" r:id="rId8"/>
+    <p:sldId id="262" r:id="rId9"/>
+    <p:sldId id="263" r:id="rId10"/>
+    <p:sldId id="264" r:id="rId11"/>
+    <p:sldId id="268" r:id="rId12"/>
+    <p:sldId id="269" r:id="rId13"/>
+    <p:sldId id="270" r:id="rId14"/>
+    <p:sldId id="271" r:id="rId15"/>
+    <p:sldId id="267" r:id="rId16"/>
   </p:sldIdLst>
   <p:sldSz cx="9906000" cy="6858000" type="A4"/>
   <p:notesSz cx="6858000" cy="9144000"/>
@@ -117,6 +118,11 @@
       </a:defRPr>
     </a:lvl9pPr>
   </p:defaultTextStyle>
+  <p:extLst>
+    <p:ext uri="{EFAFB233-063F-42B5-8137-9DF3F51BA10A}">
+      <p15:sldGuideLst xmlns:p15="http://schemas.microsoft.com/office/powerpoint/2012/main"/>
+    </p:ext>
+  </p:extLst>
 </p:presentation>
 </file>
 
@@ -251,7 +257,7 @@
           <a:p>
             <a:fld id="{05E58B87-3059-4A1A-AA6F-7F5A93843AD4}" type="datetimeFigureOut">
               <a:rPr kumimoji="1" lang="ja-JP" altLang="en-US" smtClean="0"/>
-              <a:t>2023/7/16</a:t>
+              <a:t>2023/8/16</a:t>
             </a:fld>
             <a:endParaRPr kumimoji="1" lang="ja-JP" altLang="en-US"/>
           </a:p>
@@ -453,7 +459,7 @@
           <a:p>
             <a:fld id="{05E58B87-3059-4A1A-AA6F-7F5A93843AD4}" type="datetimeFigureOut">
               <a:rPr kumimoji="1" lang="ja-JP" altLang="en-US" smtClean="0"/>
-              <a:t>2023/7/16</a:t>
+              <a:t>2023/8/16</a:t>
             </a:fld>
             <a:endParaRPr kumimoji="1" lang="ja-JP" altLang="en-US"/>
           </a:p>
@@ -665,7 +671,7 @@
           <a:p>
             <a:fld id="{05E58B87-3059-4A1A-AA6F-7F5A93843AD4}" type="datetimeFigureOut">
               <a:rPr kumimoji="1" lang="ja-JP" altLang="en-US" smtClean="0"/>
-              <a:t>2023/7/16</a:t>
+              <a:t>2023/8/16</a:t>
             </a:fld>
             <a:endParaRPr kumimoji="1" lang="ja-JP" altLang="en-US"/>
           </a:p>
@@ -867,7 +873,7 @@
           <a:p>
             <a:fld id="{05E58B87-3059-4A1A-AA6F-7F5A93843AD4}" type="datetimeFigureOut">
               <a:rPr kumimoji="1" lang="ja-JP" altLang="en-US" smtClean="0"/>
-              <a:t>2023/7/16</a:t>
+              <a:t>2023/8/16</a:t>
             </a:fld>
             <a:endParaRPr kumimoji="1" lang="ja-JP" altLang="en-US"/>
           </a:p>
@@ -1111,7 +1117,7 @@
           <a:p>
             <a:fld id="{05E58B87-3059-4A1A-AA6F-7F5A93843AD4}" type="datetimeFigureOut">
               <a:rPr kumimoji="1" lang="ja-JP" altLang="en-US" smtClean="0"/>
-              <a:t>2023/7/16</a:t>
+              <a:t>2023/8/16</a:t>
             </a:fld>
             <a:endParaRPr kumimoji="1" lang="ja-JP" altLang="en-US"/>
           </a:p>
@@ -1407,7 +1413,7 @@
           <a:p>
             <a:fld id="{05E58B87-3059-4A1A-AA6F-7F5A93843AD4}" type="datetimeFigureOut">
               <a:rPr kumimoji="1" lang="ja-JP" altLang="en-US" smtClean="0"/>
-              <a:t>2023/7/16</a:t>
+              <a:t>2023/8/16</a:t>
             </a:fld>
             <a:endParaRPr kumimoji="1" lang="ja-JP" altLang="en-US"/>
           </a:p>
@@ -1838,7 +1844,7 @@
           <a:p>
             <a:fld id="{05E58B87-3059-4A1A-AA6F-7F5A93843AD4}" type="datetimeFigureOut">
               <a:rPr kumimoji="1" lang="ja-JP" altLang="en-US" smtClean="0"/>
-              <a:t>2023/7/16</a:t>
+              <a:t>2023/8/16</a:t>
             </a:fld>
             <a:endParaRPr kumimoji="1" lang="ja-JP" altLang="en-US"/>
           </a:p>
@@ -1956,7 +1962,7 @@
           <a:p>
             <a:fld id="{05E58B87-3059-4A1A-AA6F-7F5A93843AD4}" type="datetimeFigureOut">
               <a:rPr kumimoji="1" lang="ja-JP" altLang="en-US" smtClean="0"/>
-              <a:t>2023/7/16</a:t>
+              <a:t>2023/8/16</a:t>
             </a:fld>
             <a:endParaRPr kumimoji="1" lang="ja-JP" altLang="en-US"/>
           </a:p>
@@ -2051,7 +2057,7 @@
           <a:p>
             <a:fld id="{05E58B87-3059-4A1A-AA6F-7F5A93843AD4}" type="datetimeFigureOut">
               <a:rPr kumimoji="1" lang="ja-JP" altLang="en-US" smtClean="0"/>
-              <a:t>2023/7/16</a:t>
+              <a:t>2023/8/16</a:t>
             </a:fld>
             <a:endParaRPr kumimoji="1" lang="ja-JP" altLang="en-US"/>
           </a:p>
@@ -2360,7 +2366,7 @@
           <a:p>
             <a:fld id="{05E58B87-3059-4A1A-AA6F-7F5A93843AD4}" type="datetimeFigureOut">
               <a:rPr kumimoji="1" lang="ja-JP" altLang="en-US" smtClean="0"/>
-              <a:t>2023/7/16</a:t>
+              <a:t>2023/8/16</a:t>
             </a:fld>
             <a:endParaRPr kumimoji="1" lang="ja-JP" altLang="en-US"/>
           </a:p>
@@ -2617,7 +2623,7 @@
           <a:p>
             <a:fld id="{05E58B87-3059-4A1A-AA6F-7F5A93843AD4}" type="datetimeFigureOut">
               <a:rPr kumimoji="1" lang="ja-JP" altLang="en-US" smtClean="0"/>
-              <a:t>2023/7/16</a:t>
+              <a:t>2023/8/16</a:t>
             </a:fld>
             <a:endParaRPr kumimoji="1" lang="ja-JP" altLang="en-US"/>
           </a:p>
@@ -2862,7 +2868,7 @@
           <a:p>
             <a:fld id="{05E58B87-3059-4A1A-AA6F-7F5A93843AD4}" type="datetimeFigureOut">
               <a:rPr kumimoji="1" lang="ja-JP" altLang="en-US" smtClean="0"/>
-              <a:t>2023/7/16</a:t>
+              <a:t>2023/8/16</a:t>
             </a:fld>
             <a:endParaRPr kumimoji="1" lang="ja-JP" altLang="en-US"/>
           </a:p>
@@ -3360,6 +3366,1839 @@
           <p:nvPr/>
         </p:nvSpPr>
         <p:spPr>
+          <a:xfrm>
+            <a:off x="1182729" y="3321488"/>
+            <a:ext cx="192478" cy="192478"/>
+          </a:xfrm>
+          <a:prstGeom prst="ellipse">
+            <a:avLst/>
+          </a:prstGeom>
+          <a:solidFill>
+            <a:schemeClr val="bg1"/>
+          </a:solidFill>
+          <a:ln w="38100">
+            <a:solidFill>
+              <a:srgbClr val="FF0000"/>
+            </a:solidFill>
+          </a:ln>
+        </p:spPr>
+        <p:style>
+          <a:lnRef idx="2">
+            <a:schemeClr val="accent1">
+              <a:shade val="15000"/>
+            </a:schemeClr>
+          </a:lnRef>
+          <a:fillRef idx="1">
+            <a:schemeClr val="accent1"/>
+          </a:fillRef>
+          <a:effectRef idx="0">
+            <a:schemeClr val="accent1"/>
+          </a:effectRef>
+          <a:fontRef idx="minor">
+            <a:schemeClr val="lt1"/>
+          </a:fontRef>
+        </p:style>
+        <p:txBody>
+          <a:bodyPr rtlCol="0" anchor="ctr"/>
+          <a:lstStyle/>
+          <a:p>
+            <a:pPr algn="ctr"/>
+            <a:endParaRPr kumimoji="1" lang="ja-JP" altLang="en-US"/>
+          </a:p>
+        </p:txBody>
+      </p:sp>
+      <p:grpSp>
+        <p:nvGrpSpPr>
+          <p:cNvPr id="11" name="グループ化 10">
+            <a:extLst>
+              <a:ext uri="{FF2B5EF4-FFF2-40B4-BE49-F238E27FC236}">
+                <a16:creationId xmlns:a16="http://schemas.microsoft.com/office/drawing/2014/main" id="{82AED9E3-07AD-83D4-D288-748374BFDDA4}"/>
+              </a:ext>
+            </a:extLst>
+          </p:cNvPr>
+          <p:cNvGrpSpPr/>
+          <p:nvPr/>
+        </p:nvGrpSpPr>
+        <p:grpSpPr>
+          <a:xfrm>
+            <a:off x="3026770" y="1733623"/>
+            <a:ext cx="2080472" cy="2080472"/>
+            <a:chOff x="3026770" y="1733623"/>
+            <a:chExt cx="2080472" cy="2080472"/>
+          </a:xfrm>
+        </p:grpSpPr>
+        <p:sp>
+          <p:nvSpPr>
+            <p:cNvPr id="6" name="正方形/長方形 5">
+              <a:extLst>
+                <a:ext uri="{FF2B5EF4-FFF2-40B4-BE49-F238E27FC236}">
+                  <a16:creationId xmlns:a16="http://schemas.microsoft.com/office/drawing/2014/main" id="{170A6D10-9A78-D827-0C40-A4F66AD4EE68}"/>
+                </a:ext>
+              </a:extLst>
+            </p:cNvPr>
+            <p:cNvSpPr/>
+            <p:nvPr/>
+          </p:nvSpPr>
+          <p:spPr>
+            <a:xfrm>
+              <a:off x="3101204" y="3095793"/>
+              <a:ext cx="643868" cy="643868"/>
+            </a:xfrm>
+            <a:prstGeom prst="rect">
+              <a:avLst/>
+            </a:prstGeom>
+            <a:solidFill>
+              <a:schemeClr val="bg1"/>
+            </a:solidFill>
+            <a:ln w="38100">
+              <a:solidFill>
+                <a:schemeClr val="tx1"/>
+              </a:solidFill>
+            </a:ln>
+          </p:spPr>
+          <p:style>
+            <a:lnRef idx="2">
+              <a:schemeClr val="accent1">
+                <a:shade val="15000"/>
+              </a:schemeClr>
+            </a:lnRef>
+            <a:fillRef idx="1">
+              <a:schemeClr val="accent1"/>
+            </a:fillRef>
+            <a:effectRef idx="0">
+              <a:schemeClr val="accent1"/>
+            </a:effectRef>
+            <a:fontRef idx="minor">
+              <a:schemeClr val="lt1"/>
+            </a:fontRef>
+          </p:style>
+          <p:txBody>
+            <a:bodyPr rtlCol="0" anchor="ctr"/>
+            <a:lstStyle/>
+            <a:p>
+              <a:pPr algn="ctr"/>
+              <a:endParaRPr kumimoji="1" lang="ja-JP" altLang="en-US"/>
+            </a:p>
+          </p:txBody>
+        </p:sp>
+        <p:sp>
+          <p:nvSpPr>
+            <p:cNvPr id="3" name="楕円 2">
+              <a:extLst>
+                <a:ext uri="{FF2B5EF4-FFF2-40B4-BE49-F238E27FC236}">
+                  <a16:creationId xmlns:a16="http://schemas.microsoft.com/office/drawing/2014/main" id="{EFB90595-A0ED-1A88-755A-B10849DA4272}"/>
+                </a:ext>
+              </a:extLst>
+            </p:cNvPr>
+            <p:cNvSpPr/>
+            <p:nvPr/>
+          </p:nvSpPr>
+          <p:spPr>
+            <a:xfrm>
+              <a:off x="3026770" y="3665227"/>
+              <a:ext cx="148868" cy="148868"/>
+            </a:xfrm>
+            <a:prstGeom prst="ellipse">
+              <a:avLst/>
+            </a:prstGeom>
+            <a:solidFill>
+              <a:schemeClr val="bg1"/>
+            </a:solidFill>
+            <a:ln w="38100">
+              <a:solidFill>
+                <a:srgbClr val="0070C0"/>
+              </a:solidFill>
+            </a:ln>
+          </p:spPr>
+          <p:style>
+            <a:lnRef idx="2">
+              <a:schemeClr val="accent1">
+                <a:shade val="15000"/>
+              </a:schemeClr>
+            </a:lnRef>
+            <a:fillRef idx="1">
+              <a:schemeClr val="accent1"/>
+            </a:fillRef>
+            <a:effectRef idx="0">
+              <a:schemeClr val="accent1"/>
+            </a:effectRef>
+            <a:fontRef idx="minor">
+              <a:schemeClr val="lt1"/>
+            </a:fontRef>
+          </p:style>
+          <p:txBody>
+            <a:bodyPr rtlCol="0" anchor="ctr"/>
+            <a:lstStyle/>
+            <a:p>
+              <a:pPr algn="ctr"/>
+              <a:endParaRPr kumimoji="1" lang="ja-JP" altLang="en-US">
+                <a:solidFill>
+                  <a:srgbClr val="FF0000"/>
+                </a:solidFill>
+              </a:endParaRPr>
+            </a:p>
+          </p:txBody>
+        </p:sp>
+        <p:sp>
+          <p:nvSpPr>
+            <p:cNvPr id="7" name="正方形/長方形 6">
+              <a:extLst>
+                <a:ext uri="{FF2B5EF4-FFF2-40B4-BE49-F238E27FC236}">
+                  <a16:creationId xmlns:a16="http://schemas.microsoft.com/office/drawing/2014/main" id="{22E300E7-BAA5-0282-4222-A9B361768332}"/>
+                </a:ext>
+              </a:extLst>
+            </p:cNvPr>
+            <p:cNvSpPr/>
+            <p:nvPr/>
+          </p:nvSpPr>
+          <p:spPr>
+            <a:xfrm>
+              <a:off x="3745072" y="3095793"/>
+              <a:ext cx="643868" cy="643868"/>
+            </a:xfrm>
+            <a:prstGeom prst="rect">
+              <a:avLst/>
+            </a:prstGeom>
+            <a:solidFill>
+              <a:schemeClr val="bg1"/>
+            </a:solidFill>
+            <a:ln w="38100">
+              <a:solidFill>
+                <a:schemeClr val="tx1"/>
+              </a:solidFill>
+            </a:ln>
+          </p:spPr>
+          <p:style>
+            <a:lnRef idx="2">
+              <a:schemeClr val="accent1">
+                <a:shade val="15000"/>
+              </a:schemeClr>
+            </a:lnRef>
+            <a:fillRef idx="1">
+              <a:schemeClr val="accent1"/>
+            </a:fillRef>
+            <a:effectRef idx="0">
+              <a:schemeClr val="accent1"/>
+            </a:effectRef>
+            <a:fontRef idx="minor">
+              <a:schemeClr val="lt1"/>
+            </a:fontRef>
+          </p:style>
+          <p:txBody>
+            <a:bodyPr rtlCol="0" anchor="ctr"/>
+            <a:lstStyle/>
+            <a:p>
+              <a:pPr algn="ctr"/>
+              <a:endParaRPr kumimoji="1" lang="ja-JP" altLang="en-US"/>
+            </a:p>
+          </p:txBody>
+        </p:sp>
+        <p:sp>
+          <p:nvSpPr>
+            <p:cNvPr id="10" name="正方形/長方形 9">
+              <a:extLst>
+                <a:ext uri="{FF2B5EF4-FFF2-40B4-BE49-F238E27FC236}">
+                  <a16:creationId xmlns:a16="http://schemas.microsoft.com/office/drawing/2014/main" id="{BCE94D10-164E-B563-E822-4393F02C6C0A}"/>
+                </a:ext>
+              </a:extLst>
+            </p:cNvPr>
+            <p:cNvSpPr/>
+            <p:nvPr/>
+          </p:nvSpPr>
+          <p:spPr>
+            <a:xfrm>
+              <a:off x="4388940" y="3095793"/>
+              <a:ext cx="643868" cy="643868"/>
+            </a:xfrm>
+            <a:prstGeom prst="rect">
+              <a:avLst/>
+            </a:prstGeom>
+            <a:solidFill>
+              <a:schemeClr val="bg1"/>
+            </a:solidFill>
+            <a:ln w="38100">
+              <a:solidFill>
+                <a:schemeClr val="tx1"/>
+              </a:solidFill>
+            </a:ln>
+          </p:spPr>
+          <p:style>
+            <a:lnRef idx="2">
+              <a:schemeClr val="accent1">
+                <a:shade val="15000"/>
+              </a:schemeClr>
+            </a:lnRef>
+            <a:fillRef idx="1">
+              <a:schemeClr val="accent1"/>
+            </a:fillRef>
+            <a:effectRef idx="0">
+              <a:schemeClr val="accent1"/>
+            </a:effectRef>
+            <a:fontRef idx="minor">
+              <a:schemeClr val="lt1"/>
+            </a:fontRef>
+          </p:style>
+          <p:txBody>
+            <a:bodyPr rtlCol="0" anchor="ctr"/>
+            <a:lstStyle/>
+            <a:p>
+              <a:pPr algn="ctr"/>
+              <a:endParaRPr kumimoji="1" lang="ja-JP" altLang="en-US"/>
+            </a:p>
+          </p:txBody>
+        </p:sp>
+        <p:sp>
+          <p:nvSpPr>
+            <p:cNvPr id="14" name="正方形/長方形 13">
+              <a:extLst>
+                <a:ext uri="{FF2B5EF4-FFF2-40B4-BE49-F238E27FC236}">
+                  <a16:creationId xmlns:a16="http://schemas.microsoft.com/office/drawing/2014/main" id="{FB836323-FFE3-4FEF-F420-F668CD7A6A89}"/>
+                </a:ext>
+              </a:extLst>
+            </p:cNvPr>
+            <p:cNvSpPr/>
+            <p:nvPr/>
+          </p:nvSpPr>
+          <p:spPr>
+            <a:xfrm>
+              <a:off x="3101204" y="2451925"/>
+              <a:ext cx="643868" cy="643868"/>
+            </a:xfrm>
+            <a:prstGeom prst="rect">
+              <a:avLst/>
+            </a:prstGeom>
+            <a:solidFill>
+              <a:schemeClr val="bg1"/>
+            </a:solidFill>
+            <a:ln w="38100">
+              <a:solidFill>
+                <a:schemeClr val="tx1"/>
+              </a:solidFill>
+            </a:ln>
+          </p:spPr>
+          <p:style>
+            <a:lnRef idx="2">
+              <a:schemeClr val="accent1">
+                <a:shade val="15000"/>
+              </a:schemeClr>
+            </a:lnRef>
+            <a:fillRef idx="1">
+              <a:schemeClr val="accent1"/>
+            </a:fillRef>
+            <a:effectRef idx="0">
+              <a:schemeClr val="accent1"/>
+            </a:effectRef>
+            <a:fontRef idx="minor">
+              <a:schemeClr val="lt1"/>
+            </a:fontRef>
+          </p:style>
+          <p:txBody>
+            <a:bodyPr rtlCol="0" anchor="ctr"/>
+            <a:lstStyle/>
+            <a:p>
+              <a:pPr algn="ctr"/>
+              <a:endParaRPr kumimoji="1" lang="ja-JP" altLang="en-US"/>
+            </a:p>
+          </p:txBody>
+        </p:sp>
+        <p:sp>
+          <p:nvSpPr>
+            <p:cNvPr id="15" name="正方形/長方形 14">
+              <a:extLst>
+                <a:ext uri="{FF2B5EF4-FFF2-40B4-BE49-F238E27FC236}">
+                  <a16:creationId xmlns:a16="http://schemas.microsoft.com/office/drawing/2014/main" id="{891A2416-E0BE-CF12-F33B-B3EFBDE08AF6}"/>
+                </a:ext>
+              </a:extLst>
+            </p:cNvPr>
+            <p:cNvSpPr/>
+            <p:nvPr/>
+          </p:nvSpPr>
+          <p:spPr>
+            <a:xfrm>
+              <a:off x="3745072" y="2451925"/>
+              <a:ext cx="643868" cy="643868"/>
+            </a:xfrm>
+            <a:prstGeom prst="rect">
+              <a:avLst/>
+            </a:prstGeom>
+            <a:solidFill>
+              <a:schemeClr val="bg1"/>
+            </a:solidFill>
+            <a:ln w="38100">
+              <a:solidFill>
+                <a:schemeClr val="tx1"/>
+              </a:solidFill>
+            </a:ln>
+          </p:spPr>
+          <p:style>
+            <a:lnRef idx="2">
+              <a:schemeClr val="accent1">
+                <a:shade val="15000"/>
+              </a:schemeClr>
+            </a:lnRef>
+            <a:fillRef idx="1">
+              <a:schemeClr val="accent1"/>
+            </a:fillRef>
+            <a:effectRef idx="0">
+              <a:schemeClr val="accent1"/>
+            </a:effectRef>
+            <a:fontRef idx="minor">
+              <a:schemeClr val="lt1"/>
+            </a:fontRef>
+          </p:style>
+          <p:txBody>
+            <a:bodyPr rtlCol="0" anchor="ctr"/>
+            <a:lstStyle/>
+            <a:p>
+              <a:pPr algn="ctr"/>
+              <a:endParaRPr kumimoji="1" lang="ja-JP" altLang="en-US"/>
+            </a:p>
+          </p:txBody>
+        </p:sp>
+        <p:sp>
+          <p:nvSpPr>
+            <p:cNvPr id="16" name="正方形/長方形 15">
+              <a:extLst>
+                <a:ext uri="{FF2B5EF4-FFF2-40B4-BE49-F238E27FC236}">
+                  <a16:creationId xmlns:a16="http://schemas.microsoft.com/office/drawing/2014/main" id="{CBCCA257-3B1D-7C63-0131-F9C3AE4B8314}"/>
+                </a:ext>
+              </a:extLst>
+            </p:cNvPr>
+            <p:cNvSpPr/>
+            <p:nvPr/>
+          </p:nvSpPr>
+          <p:spPr>
+            <a:xfrm>
+              <a:off x="4388940" y="2451925"/>
+              <a:ext cx="643868" cy="643868"/>
+            </a:xfrm>
+            <a:prstGeom prst="rect">
+              <a:avLst/>
+            </a:prstGeom>
+            <a:solidFill>
+              <a:schemeClr val="bg1"/>
+            </a:solidFill>
+            <a:ln w="38100">
+              <a:solidFill>
+                <a:schemeClr val="tx1"/>
+              </a:solidFill>
+            </a:ln>
+          </p:spPr>
+          <p:style>
+            <a:lnRef idx="2">
+              <a:schemeClr val="accent1">
+                <a:shade val="15000"/>
+              </a:schemeClr>
+            </a:lnRef>
+            <a:fillRef idx="1">
+              <a:schemeClr val="accent1"/>
+            </a:fillRef>
+            <a:effectRef idx="0">
+              <a:schemeClr val="accent1"/>
+            </a:effectRef>
+            <a:fontRef idx="minor">
+              <a:schemeClr val="lt1"/>
+            </a:fontRef>
+          </p:style>
+          <p:txBody>
+            <a:bodyPr rtlCol="0" anchor="ctr"/>
+            <a:lstStyle/>
+            <a:p>
+              <a:pPr algn="ctr"/>
+              <a:endParaRPr kumimoji="1" lang="ja-JP" altLang="en-US"/>
+            </a:p>
+          </p:txBody>
+        </p:sp>
+        <p:sp>
+          <p:nvSpPr>
+            <p:cNvPr id="18" name="正方形/長方形 17">
+              <a:extLst>
+                <a:ext uri="{FF2B5EF4-FFF2-40B4-BE49-F238E27FC236}">
+                  <a16:creationId xmlns:a16="http://schemas.microsoft.com/office/drawing/2014/main" id="{064B4105-3425-2920-A492-1ABBB9496E1F}"/>
+                </a:ext>
+              </a:extLst>
+            </p:cNvPr>
+            <p:cNvSpPr/>
+            <p:nvPr/>
+          </p:nvSpPr>
+          <p:spPr>
+            <a:xfrm>
+              <a:off x="3101204" y="1808057"/>
+              <a:ext cx="643868" cy="643868"/>
+            </a:xfrm>
+            <a:prstGeom prst="rect">
+              <a:avLst/>
+            </a:prstGeom>
+            <a:solidFill>
+              <a:schemeClr val="bg1"/>
+            </a:solidFill>
+            <a:ln w="38100">
+              <a:solidFill>
+                <a:schemeClr val="tx1"/>
+              </a:solidFill>
+            </a:ln>
+          </p:spPr>
+          <p:style>
+            <a:lnRef idx="2">
+              <a:schemeClr val="accent1">
+                <a:shade val="15000"/>
+              </a:schemeClr>
+            </a:lnRef>
+            <a:fillRef idx="1">
+              <a:schemeClr val="accent1"/>
+            </a:fillRef>
+            <a:effectRef idx="0">
+              <a:schemeClr val="accent1"/>
+            </a:effectRef>
+            <a:fontRef idx="minor">
+              <a:schemeClr val="lt1"/>
+            </a:fontRef>
+          </p:style>
+          <p:txBody>
+            <a:bodyPr rtlCol="0" anchor="ctr"/>
+            <a:lstStyle/>
+            <a:p>
+              <a:pPr algn="ctr"/>
+              <a:endParaRPr kumimoji="1" lang="ja-JP" altLang="en-US"/>
+            </a:p>
+          </p:txBody>
+        </p:sp>
+        <p:sp>
+          <p:nvSpPr>
+            <p:cNvPr id="19" name="正方形/長方形 18">
+              <a:extLst>
+                <a:ext uri="{FF2B5EF4-FFF2-40B4-BE49-F238E27FC236}">
+                  <a16:creationId xmlns:a16="http://schemas.microsoft.com/office/drawing/2014/main" id="{E7B0AD65-BFBD-861E-68F3-F38F951B8B4D}"/>
+                </a:ext>
+              </a:extLst>
+            </p:cNvPr>
+            <p:cNvSpPr/>
+            <p:nvPr/>
+          </p:nvSpPr>
+          <p:spPr>
+            <a:xfrm>
+              <a:off x="3745072" y="1808057"/>
+              <a:ext cx="643868" cy="643868"/>
+            </a:xfrm>
+            <a:prstGeom prst="rect">
+              <a:avLst/>
+            </a:prstGeom>
+            <a:solidFill>
+              <a:schemeClr val="bg1"/>
+            </a:solidFill>
+            <a:ln w="38100">
+              <a:solidFill>
+                <a:schemeClr val="tx1"/>
+              </a:solidFill>
+            </a:ln>
+          </p:spPr>
+          <p:style>
+            <a:lnRef idx="2">
+              <a:schemeClr val="accent1">
+                <a:shade val="15000"/>
+              </a:schemeClr>
+            </a:lnRef>
+            <a:fillRef idx="1">
+              <a:schemeClr val="accent1"/>
+            </a:fillRef>
+            <a:effectRef idx="0">
+              <a:schemeClr val="accent1"/>
+            </a:effectRef>
+            <a:fontRef idx="minor">
+              <a:schemeClr val="lt1"/>
+            </a:fontRef>
+          </p:style>
+          <p:txBody>
+            <a:bodyPr rtlCol="0" anchor="ctr"/>
+            <a:lstStyle/>
+            <a:p>
+              <a:pPr algn="ctr"/>
+              <a:endParaRPr kumimoji="1" lang="ja-JP" altLang="en-US"/>
+            </a:p>
+          </p:txBody>
+        </p:sp>
+        <p:sp>
+          <p:nvSpPr>
+            <p:cNvPr id="20" name="正方形/長方形 19">
+              <a:extLst>
+                <a:ext uri="{FF2B5EF4-FFF2-40B4-BE49-F238E27FC236}">
+                  <a16:creationId xmlns:a16="http://schemas.microsoft.com/office/drawing/2014/main" id="{CB9840F5-C686-74EF-581C-63506A51B539}"/>
+                </a:ext>
+              </a:extLst>
+            </p:cNvPr>
+            <p:cNvSpPr/>
+            <p:nvPr/>
+          </p:nvSpPr>
+          <p:spPr>
+            <a:xfrm>
+              <a:off x="4388940" y="1808057"/>
+              <a:ext cx="643868" cy="643868"/>
+            </a:xfrm>
+            <a:prstGeom prst="rect">
+              <a:avLst/>
+            </a:prstGeom>
+            <a:solidFill>
+              <a:schemeClr val="bg1"/>
+            </a:solidFill>
+            <a:ln w="38100">
+              <a:solidFill>
+                <a:schemeClr val="tx1"/>
+              </a:solidFill>
+            </a:ln>
+          </p:spPr>
+          <p:style>
+            <a:lnRef idx="2">
+              <a:schemeClr val="accent1">
+                <a:shade val="15000"/>
+              </a:schemeClr>
+            </a:lnRef>
+            <a:fillRef idx="1">
+              <a:schemeClr val="accent1"/>
+            </a:fillRef>
+            <a:effectRef idx="0">
+              <a:schemeClr val="accent1"/>
+            </a:effectRef>
+            <a:fontRef idx="minor">
+              <a:schemeClr val="lt1"/>
+            </a:fontRef>
+          </p:style>
+          <p:txBody>
+            <a:bodyPr rtlCol="0" anchor="ctr"/>
+            <a:lstStyle/>
+            <a:p>
+              <a:pPr algn="ctr"/>
+              <a:endParaRPr kumimoji="1" lang="ja-JP" altLang="en-US"/>
+            </a:p>
+          </p:txBody>
+        </p:sp>
+        <p:sp>
+          <p:nvSpPr>
+            <p:cNvPr id="27" name="楕円 26">
+              <a:extLst>
+                <a:ext uri="{FF2B5EF4-FFF2-40B4-BE49-F238E27FC236}">
+                  <a16:creationId xmlns:a16="http://schemas.microsoft.com/office/drawing/2014/main" id="{0D7AD1BC-3970-1C31-90E8-EB91E4AF7B1F}"/>
+                </a:ext>
+              </a:extLst>
+            </p:cNvPr>
+            <p:cNvSpPr/>
+            <p:nvPr/>
+          </p:nvSpPr>
+          <p:spPr>
+            <a:xfrm>
+              <a:off x="3670638" y="3665227"/>
+              <a:ext cx="148868" cy="148868"/>
+            </a:xfrm>
+            <a:prstGeom prst="ellipse">
+              <a:avLst/>
+            </a:prstGeom>
+            <a:solidFill>
+              <a:schemeClr val="bg1"/>
+            </a:solidFill>
+            <a:ln w="38100">
+              <a:solidFill>
+                <a:srgbClr val="0070C0"/>
+              </a:solidFill>
+            </a:ln>
+          </p:spPr>
+          <p:style>
+            <a:lnRef idx="2">
+              <a:schemeClr val="accent1">
+                <a:shade val="15000"/>
+              </a:schemeClr>
+            </a:lnRef>
+            <a:fillRef idx="1">
+              <a:schemeClr val="accent1"/>
+            </a:fillRef>
+            <a:effectRef idx="0">
+              <a:schemeClr val="accent1"/>
+            </a:effectRef>
+            <a:fontRef idx="minor">
+              <a:schemeClr val="lt1"/>
+            </a:fontRef>
+          </p:style>
+          <p:txBody>
+            <a:bodyPr rtlCol="0" anchor="ctr"/>
+            <a:lstStyle/>
+            <a:p>
+              <a:pPr algn="ctr"/>
+              <a:endParaRPr kumimoji="1" lang="ja-JP" altLang="en-US">
+                <a:solidFill>
+                  <a:srgbClr val="FF0000"/>
+                </a:solidFill>
+              </a:endParaRPr>
+            </a:p>
+          </p:txBody>
+        </p:sp>
+        <p:sp>
+          <p:nvSpPr>
+            <p:cNvPr id="28" name="楕円 27">
+              <a:extLst>
+                <a:ext uri="{FF2B5EF4-FFF2-40B4-BE49-F238E27FC236}">
+                  <a16:creationId xmlns:a16="http://schemas.microsoft.com/office/drawing/2014/main" id="{4A4A3E60-1C09-7B30-386B-A4BE76D6A660}"/>
+                </a:ext>
+              </a:extLst>
+            </p:cNvPr>
+            <p:cNvSpPr/>
+            <p:nvPr/>
+          </p:nvSpPr>
+          <p:spPr>
+            <a:xfrm>
+              <a:off x="4314506" y="3665227"/>
+              <a:ext cx="148868" cy="148868"/>
+            </a:xfrm>
+            <a:prstGeom prst="ellipse">
+              <a:avLst/>
+            </a:prstGeom>
+            <a:solidFill>
+              <a:schemeClr val="bg1"/>
+            </a:solidFill>
+            <a:ln w="38100">
+              <a:solidFill>
+                <a:srgbClr val="00B050"/>
+              </a:solidFill>
+            </a:ln>
+          </p:spPr>
+          <p:style>
+            <a:lnRef idx="2">
+              <a:schemeClr val="accent1">
+                <a:shade val="15000"/>
+              </a:schemeClr>
+            </a:lnRef>
+            <a:fillRef idx="1">
+              <a:schemeClr val="accent1"/>
+            </a:fillRef>
+            <a:effectRef idx="0">
+              <a:schemeClr val="accent1"/>
+            </a:effectRef>
+            <a:fontRef idx="minor">
+              <a:schemeClr val="lt1"/>
+            </a:fontRef>
+          </p:style>
+          <p:txBody>
+            <a:bodyPr rtlCol="0" anchor="ctr"/>
+            <a:lstStyle/>
+            <a:p>
+              <a:pPr algn="ctr"/>
+              <a:endParaRPr kumimoji="1" lang="ja-JP" altLang="en-US"/>
+            </a:p>
+          </p:txBody>
+        </p:sp>
+        <p:sp>
+          <p:nvSpPr>
+            <p:cNvPr id="29" name="楕円 28">
+              <a:extLst>
+                <a:ext uri="{FF2B5EF4-FFF2-40B4-BE49-F238E27FC236}">
+                  <a16:creationId xmlns:a16="http://schemas.microsoft.com/office/drawing/2014/main" id="{C4020CCE-881B-FEB4-D4CF-1909A1594F52}"/>
+                </a:ext>
+              </a:extLst>
+            </p:cNvPr>
+            <p:cNvSpPr/>
+            <p:nvPr/>
+          </p:nvSpPr>
+          <p:spPr>
+            <a:xfrm>
+              <a:off x="4958374" y="3665227"/>
+              <a:ext cx="148868" cy="148868"/>
+            </a:xfrm>
+            <a:prstGeom prst="ellipse">
+              <a:avLst/>
+            </a:prstGeom>
+            <a:solidFill>
+              <a:schemeClr val="bg1"/>
+            </a:solidFill>
+            <a:ln w="38100">
+              <a:solidFill>
+                <a:srgbClr val="00B050"/>
+              </a:solidFill>
+            </a:ln>
+          </p:spPr>
+          <p:style>
+            <a:lnRef idx="2">
+              <a:schemeClr val="accent1">
+                <a:shade val="15000"/>
+              </a:schemeClr>
+            </a:lnRef>
+            <a:fillRef idx="1">
+              <a:schemeClr val="accent1"/>
+            </a:fillRef>
+            <a:effectRef idx="0">
+              <a:schemeClr val="accent1"/>
+            </a:effectRef>
+            <a:fontRef idx="minor">
+              <a:schemeClr val="lt1"/>
+            </a:fontRef>
+          </p:style>
+          <p:txBody>
+            <a:bodyPr rtlCol="0" anchor="ctr"/>
+            <a:lstStyle/>
+            <a:p>
+              <a:pPr algn="ctr"/>
+              <a:endParaRPr kumimoji="1" lang="ja-JP" altLang="en-US"/>
+            </a:p>
+          </p:txBody>
+        </p:sp>
+        <p:sp>
+          <p:nvSpPr>
+            <p:cNvPr id="30" name="楕円 29">
+              <a:extLst>
+                <a:ext uri="{FF2B5EF4-FFF2-40B4-BE49-F238E27FC236}">
+                  <a16:creationId xmlns:a16="http://schemas.microsoft.com/office/drawing/2014/main" id="{F10B6F52-516C-DBE6-A473-A1A602A0BC9A}"/>
+                </a:ext>
+              </a:extLst>
+            </p:cNvPr>
+            <p:cNvSpPr/>
+            <p:nvPr/>
+          </p:nvSpPr>
+          <p:spPr>
+            <a:xfrm>
+              <a:off x="3026770" y="3021359"/>
+              <a:ext cx="148868" cy="148868"/>
+            </a:xfrm>
+            <a:prstGeom prst="ellipse">
+              <a:avLst/>
+            </a:prstGeom>
+            <a:solidFill>
+              <a:schemeClr val="bg1"/>
+            </a:solidFill>
+            <a:ln w="38100">
+              <a:solidFill>
+                <a:srgbClr val="0070C0"/>
+              </a:solidFill>
+            </a:ln>
+          </p:spPr>
+          <p:style>
+            <a:lnRef idx="2">
+              <a:schemeClr val="accent1">
+                <a:shade val="15000"/>
+              </a:schemeClr>
+            </a:lnRef>
+            <a:fillRef idx="1">
+              <a:schemeClr val="accent1"/>
+            </a:fillRef>
+            <a:effectRef idx="0">
+              <a:schemeClr val="accent1"/>
+            </a:effectRef>
+            <a:fontRef idx="minor">
+              <a:schemeClr val="lt1"/>
+            </a:fontRef>
+          </p:style>
+          <p:txBody>
+            <a:bodyPr rtlCol="0" anchor="ctr"/>
+            <a:lstStyle/>
+            <a:p>
+              <a:pPr algn="ctr"/>
+              <a:endParaRPr kumimoji="1" lang="ja-JP" altLang="en-US">
+                <a:solidFill>
+                  <a:srgbClr val="FF0000"/>
+                </a:solidFill>
+              </a:endParaRPr>
+            </a:p>
+          </p:txBody>
+        </p:sp>
+        <p:sp>
+          <p:nvSpPr>
+            <p:cNvPr id="31" name="楕円 30">
+              <a:extLst>
+                <a:ext uri="{FF2B5EF4-FFF2-40B4-BE49-F238E27FC236}">
+                  <a16:creationId xmlns:a16="http://schemas.microsoft.com/office/drawing/2014/main" id="{8197001F-30F8-0EEE-8DC5-E79F006ECA99}"/>
+                </a:ext>
+              </a:extLst>
+            </p:cNvPr>
+            <p:cNvSpPr/>
+            <p:nvPr/>
+          </p:nvSpPr>
+          <p:spPr>
+            <a:xfrm>
+              <a:off x="3670638" y="3021359"/>
+              <a:ext cx="148868" cy="148868"/>
+            </a:xfrm>
+            <a:prstGeom prst="ellipse">
+              <a:avLst/>
+            </a:prstGeom>
+            <a:solidFill>
+              <a:schemeClr val="bg1"/>
+            </a:solidFill>
+            <a:ln w="38100">
+              <a:solidFill>
+                <a:srgbClr val="0070C0"/>
+              </a:solidFill>
+            </a:ln>
+          </p:spPr>
+          <p:style>
+            <a:lnRef idx="2">
+              <a:schemeClr val="accent1">
+                <a:shade val="15000"/>
+              </a:schemeClr>
+            </a:lnRef>
+            <a:fillRef idx="1">
+              <a:schemeClr val="accent1"/>
+            </a:fillRef>
+            <a:effectRef idx="0">
+              <a:schemeClr val="accent1"/>
+            </a:effectRef>
+            <a:fontRef idx="minor">
+              <a:schemeClr val="lt1"/>
+            </a:fontRef>
+          </p:style>
+          <p:txBody>
+            <a:bodyPr rtlCol="0" anchor="ctr"/>
+            <a:lstStyle/>
+            <a:p>
+              <a:pPr algn="ctr"/>
+              <a:endParaRPr kumimoji="1" lang="ja-JP" altLang="en-US">
+                <a:solidFill>
+                  <a:srgbClr val="FF0000"/>
+                </a:solidFill>
+              </a:endParaRPr>
+            </a:p>
+          </p:txBody>
+        </p:sp>
+        <p:sp>
+          <p:nvSpPr>
+            <p:cNvPr id="32" name="楕円 31">
+              <a:extLst>
+                <a:ext uri="{FF2B5EF4-FFF2-40B4-BE49-F238E27FC236}">
+                  <a16:creationId xmlns:a16="http://schemas.microsoft.com/office/drawing/2014/main" id="{D470DA5F-2CA8-188B-E0A9-E10E5131AFF3}"/>
+                </a:ext>
+              </a:extLst>
+            </p:cNvPr>
+            <p:cNvSpPr/>
+            <p:nvPr/>
+          </p:nvSpPr>
+          <p:spPr>
+            <a:xfrm>
+              <a:off x="4314506" y="3021359"/>
+              <a:ext cx="148868" cy="148868"/>
+            </a:xfrm>
+            <a:prstGeom prst="ellipse">
+              <a:avLst/>
+            </a:prstGeom>
+            <a:solidFill>
+              <a:schemeClr val="bg1"/>
+            </a:solidFill>
+            <a:ln w="38100">
+              <a:solidFill>
+                <a:srgbClr val="00B050"/>
+              </a:solidFill>
+            </a:ln>
+          </p:spPr>
+          <p:style>
+            <a:lnRef idx="2">
+              <a:schemeClr val="accent1">
+                <a:shade val="15000"/>
+              </a:schemeClr>
+            </a:lnRef>
+            <a:fillRef idx="1">
+              <a:schemeClr val="accent1"/>
+            </a:fillRef>
+            <a:effectRef idx="0">
+              <a:schemeClr val="accent1"/>
+            </a:effectRef>
+            <a:fontRef idx="minor">
+              <a:schemeClr val="lt1"/>
+            </a:fontRef>
+          </p:style>
+          <p:txBody>
+            <a:bodyPr rtlCol="0" anchor="ctr"/>
+            <a:lstStyle/>
+            <a:p>
+              <a:pPr algn="ctr"/>
+              <a:endParaRPr kumimoji="1" lang="ja-JP" altLang="en-US"/>
+            </a:p>
+          </p:txBody>
+        </p:sp>
+        <p:sp>
+          <p:nvSpPr>
+            <p:cNvPr id="33" name="楕円 32">
+              <a:extLst>
+                <a:ext uri="{FF2B5EF4-FFF2-40B4-BE49-F238E27FC236}">
+                  <a16:creationId xmlns:a16="http://schemas.microsoft.com/office/drawing/2014/main" id="{D87DEFB3-C551-E4B3-B494-D68B753F4FBA}"/>
+                </a:ext>
+              </a:extLst>
+            </p:cNvPr>
+            <p:cNvSpPr/>
+            <p:nvPr/>
+          </p:nvSpPr>
+          <p:spPr>
+            <a:xfrm>
+              <a:off x="4958374" y="3021359"/>
+              <a:ext cx="148868" cy="148868"/>
+            </a:xfrm>
+            <a:prstGeom prst="ellipse">
+              <a:avLst/>
+            </a:prstGeom>
+            <a:solidFill>
+              <a:schemeClr val="bg1"/>
+            </a:solidFill>
+            <a:ln w="38100">
+              <a:solidFill>
+                <a:srgbClr val="00B050"/>
+              </a:solidFill>
+            </a:ln>
+          </p:spPr>
+          <p:style>
+            <a:lnRef idx="2">
+              <a:schemeClr val="accent1">
+                <a:shade val="15000"/>
+              </a:schemeClr>
+            </a:lnRef>
+            <a:fillRef idx="1">
+              <a:schemeClr val="accent1"/>
+            </a:fillRef>
+            <a:effectRef idx="0">
+              <a:schemeClr val="accent1"/>
+            </a:effectRef>
+            <a:fontRef idx="minor">
+              <a:schemeClr val="lt1"/>
+            </a:fontRef>
+          </p:style>
+          <p:txBody>
+            <a:bodyPr rtlCol="0" anchor="ctr"/>
+            <a:lstStyle/>
+            <a:p>
+              <a:pPr algn="ctr"/>
+              <a:endParaRPr kumimoji="1" lang="ja-JP" altLang="en-US"/>
+            </a:p>
+          </p:txBody>
+        </p:sp>
+        <p:sp>
+          <p:nvSpPr>
+            <p:cNvPr id="34" name="楕円 33">
+              <a:extLst>
+                <a:ext uri="{FF2B5EF4-FFF2-40B4-BE49-F238E27FC236}">
+                  <a16:creationId xmlns:a16="http://schemas.microsoft.com/office/drawing/2014/main" id="{B5989342-5E45-74A8-BFB5-CAA6CE0E9BDA}"/>
+                </a:ext>
+              </a:extLst>
+            </p:cNvPr>
+            <p:cNvSpPr/>
+            <p:nvPr/>
+          </p:nvSpPr>
+          <p:spPr>
+            <a:xfrm>
+              <a:off x="3026770" y="2377491"/>
+              <a:ext cx="148868" cy="148868"/>
+            </a:xfrm>
+            <a:prstGeom prst="ellipse">
+              <a:avLst/>
+            </a:prstGeom>
+            <a:solidFill>
+              <a:schemeClr val="bg1"/>
+            </a:solidFill>
+            <a:ln w="38100">
+              <a:solidFill>
+                <a:srgbClr val="FF0000"/>
+              </a:solidFill>
+            </a:ln>
+          </p:spPr>
+          <p:style>
+            <a:lnRef idx="2">
+              <a:schemeClr val="accent1">
+                <a:shade val="15000"/>
+              </a:schemeClr>
+            </a:lnRef>
+            <a:fillRef idx="1">
+              <a:schemeClr val="accent1"/>
+            </a:fillRef>
+            <a:effectRef idx="0">
+              <a:schemeClr val="accent1"/>
+            </a:effectRef>
+            <a:fontRef idx="minor">
+              <a:schemeClr val="lt1"/>
+            </a:fontRef>
+          </p:style>
+          <p:txBody>
+            <a:bodyPr rtlCol="0" anchor="ctr"/>
+            <a:lstStyle/>
+            <a:p>
+              <a:pPr algn="ctr"/>
+              <a:endParaRPr kumimoji="1" lang="ja-JP" altLang="en-US"/>
+            </a:p>
+          </p:txBody>
+        </p:sp>
+        <p:sp>
+          <p:nvSpPr>
+            <p:cNvPr id="35" name="楕円 34">
+              <a:extLst>
+                <a:ext uri="{FF2B5EF4-FFF2-40B4-BE49-F238E27FC236}">
+                  <a16:creationId xmlns:a16="http://schemas.microsoft.com/office/drawing/2014/main" id="{52F6DB58-2E94-2362-2FB8-527D30280DD1}"/>
+                </a:ext>
+              </a:extLst>
+            </p:cNvPr>
+            <p:cNvSpPr/>
+            <p:nvPr/>
+          </p:nvSpPr>
+          <p:spPr>
+            <a:xfrm>
+              <a:off x="3670638" y="2377491"/>
+              <a:ext cx="148868" cy="148868"/>
+            </a:xfrm>
+            <a:prstGeom prst="ellipse">
+              <a:avLst/>
+            </a:prstGeom>
+            <a:solidFill>
+              <a:schemeClr val="bg1"/>
+            </a:solidFill>
+            <a:ln w="38100">
+              <a:solidFill>
+                <a:srgbClr val="FF0000"/>
+              </a:solidFill>
+            </a:ln>
+          </p:spPr>
+          <p:style>
+            <a:lnRef idx="2">
+              <a:schemeClr val="accent1">
+                <a:shade val="15000"/>
+              </a:schemeClr>
+            </a:lnRef>
+            <a:fillRef idx="1">
+              <a:schemeClr val="accent1"/>
+            </a:fillRef>
+            <a:effectRef idx="0">
+              <a:schemeClr val="accent1"/>
+            </a:effectRef>
+            <a:fontRef idx="minor">
+              <a:schemeClr val="lt1"/>
+            </a:fontRef>
+          </p:style>
+          <p:txBody>
+            <a:bodyPr rtlCol="0" anchor="ctr"/>
+            <a:lstStyle/>
+            <a:p>
+              <a:pPr algn="ctr"/>
+              <a:endParaRPr kumimoji="1" lang="ja-JP" altLang="en-US"/>
+            </a:p>
+          </p:txBody>
+        </p:sp>
+        <p:sp>
+          <p:nvSpPr>
+            <p:cNvPr id="36" name="楕円 35">
+              <a:extLst>
+                <a:ext uri="{FF2B5EF4-FFF2-40B4-BE49-F238E27FC236}">
+                  <a16:creationId xmlns:a16="http://schemas.microsoft.com/office/drawing/2014/main" id="{25A67A7B-E48B-2B1C-8143-057FA5897E86}"/>
+                </a:ext>
+              </a:extLst>
+            </p:cNvPr>
+            <p:cNvSpPr/>
+            <p:nvPr/>
+          </p:nvSpPr>
+          <p:spPr>
+            <a:xfrm>
+              <a:off x="4314506" y="2377491"/>
+              <a:ext cx="148868" cy="148868"/>
+            </a:xfrm>
+            <a:prstGeom prst="ellipse">
+              <a:avLst/>
+            </a:prstGeom>
+            <a:solidFill>
+              <a:schemeClr val="bg1"/>
+            </a:solidFill>
+            <a:ln w="38100">
+              <a:solidFill>
+                <a:srgbClr val="FFFF00"/>
+              </a:solidFill>
+            </a:ln>
+          </p:spPr>
+          <p:style>
+            <a:lnRef idx="2">
+              <a:schemeClr val="accent1">
+                <a:shade val="15000"/>
+              </a:schemeClr>
+            </a:lnRef>
+            <a:fillRef idx="1">
+              <a:schemeClr val="accent1"/>
+            </a:fillRef>
+            <a:effectRef idx="0">
+              <a:schemeClr val="accent1"/>
+            </a:effectRef>
+            <a:fontRef idx="minor">
+              <a:schemeClr val="lt1"/>
+            </a:fontRef>
+          </p:style>
+          <p:txBody>
+            <a:bodyPr rtlCol="0" anchor="ctr"/>
+            <a:lstStyle/>
+            <a:p>
+              <a:pPr algn="ctr"/>
+              <a:endParaRPr kumimoji="1" lang="ja-JP" altLang="en-US"/>
+            </a:p>
+          </p:txBody>
+        </p:sp>
+        <p:sp>
+          <p:nvSpPr>
+            <p:cNvPr id="37" name="楕円 36">
+              <a:extLst>
+                <a:ext uri="{FF2B5EF4-FFF2-40B4-BE49-F238E27FC236}">
+                  <a16:creationId xmlns:a16="http://schemas.microsoft.com/office/drawing/2014/main" id="{F7A835C2-46BA-A190-C863-BFC9F8BBB076}"/>
+                </a:ext>
+              </a:extLst>
+            </p:cNvPr>
+            <p:cNvSpPr/>
+            <p:nvPr/>
+          </p:nvSpPr>
+          <p:spPr>
+            <a:xfrm>
+              <a:off x="4958374" y="2377491"/>
+              <a:ext cx="148868" cy="148868"/>
+            </a:xfrm>
+            <a:prstGeom prst="ellipse">
+              <a:avLst/>
+            </a:prstGeom>
+            <a:solidFill>
+              <a:schemeClr val="bg1"/>
+            </a:solidFill>
+            <a:ln w="38100">
+              <a:solidFill>
+                <a:srgbClr val="FFFF00"/>
+              </a:solidFill>
+            </a:ln>
+          </p:spPr>
+          <p:style>
+            <a:lnRef idx="2">
+              <a:schemeClr val="accent1">
+                <a:shade val="15000"/>
+              </a:schemeClr>
+            </a:lnRef>
+            <a:fillRef idx="1">
+              <a:schemeClr val="accent1"/>
+            </a:fillRef>
+            <a:effectRef idx="0">
+              <a:schemeClr val="accent1"/>
+            </a:effectRef>
+            <a:fontRef idx="minor">
+              <a:schemeClr val="lt1"/>
+            </a:fontRef>
+          </p:style>
+          <p:txBody>
+            <a:bodyPr rtlCol="0" anchor="ctr"/>
+            <a:lstStyle/>
+            <a:p>
+              <a:pPr algn="ctr"/>
+              <a:endParaRPr kumimoji="1" lang="ja-JP" altLang="en-US"/>
+            </a:p>
+          </p:txBody>
+        </p:sp>
+        <p:sp>
+          <p:nvSpPr>
+            <p:cNvPr id="38" name="楕円 37">
+              <a:extLst>
+                <a:ext uri="{FF2B5EF4-FFF2-40B4-BE49-F238E27FC236}">
+                  <a16:creationId xmlns:a16="http://schemas.microsoft.com/office/drawing/2014/main" id="{239F829B-17EA-B18E-D695-87CBAB23EA75}"/>
+                </a:ext>
+              </a:extLst>
+            </p:cNvPr>
+            <p:cNvSpPr/>
+            <p:nvPr/>
+          </p:nvSpPr>
+          <p:spPr>
+            <a:xfrm>
+              <a:off x="3026770" y="1733623"/>
+              <a:ext cx="148868" cy="148868"/>
+            </a:xfrm>
+            <a:prstGeom prst="ellipse">
+              <a:avLst/>
+            </a:prstGeom>
+            <a:solidFill>
+              <a:schemeClr val="bg1"/>
+            </a:solidFill>
+            <a:ln w="38100">
+              <a:solidFill>
+                <a:srgbClr val="FF0000"/>
+              </a:solidFill>
+            </a:ln>
+          </p:spPr>
+          <p:style>
+            <a:lnRef idx="2">
+              <a:schemeClr val="accent1">
+                <a:shade val="15000"/>
+              </a:schemeClr>
+            </a:lnRef>
+            <a:fillRef idx="1">
+              <a:schemeClr val="accent1"/>
+            </a:fillRef>
+            <a:effectRef idx="0">
+              <a:schemeClr val="accent1"/>
+            </a:effectRef>
+            <a:fontRef idx="minor">
+              <a:schemeClr val="lt1"/>
+            </a:fontRef>
+          </p:style>
+          <p:txBody>
+            <a:bodyPr rtlCol="0" anchor="ctr"/>
+            <a:lstStyle/>
+            <a:p>
+              <a:pPr algn="ctr"/>
+              <a:endParaRPr kumimoji="1" lang="ja-JP" altLang="en-US"/>
+            </a:p>
+          </p:txBody>
+        </p:sp>
+        <p:sp>
+          <p:nvSpPr>
+            <p:cNvPr id="39" name="楕円 38">
+              <a:extLst>
+                <a:ext uri="{FF2B5EF4-FFF2-40B4-BE49-F238E27FC236}">
+                  <a16:creationId xmlns:a16="http://schemas.microsoft.com/office/drawing/2014/main" id="{E00C36EE-975C-7C7A-EA56-DBDA98AACAA0}"/>
+                </a:ext>
+              </a:extLst>
+            </p:cNvPr>
+            <p:cNvSpPr/>
+            <p:nvPr/>
+          </p:nvSpPr>
+          <p:spPr>
+            <a:xfrm>
+              <a:off x="3670638" y="1733623"/>
+              <a:ext cx="148868" cy="148868"/>
+            </a:xfrm>
+            <a:prstGeom prst="ellipse">
+              <a:avLst/>
+            </a:prstGeom>
+            <a:solidFill>
+              <a:schemeClr val="bg1"/>
+            </a:solidFill>
+            <a:ln w="38100">
+              <a:solidFill>
+                <a:srgbClr val="FF0000"/>
+              </a:solidFill>
+            </a:ln>
+          </p:spPr>
+          <p:style>
+            <a:lnRef idx="2">
+              <a:schemeClr val="accent1">
+                <a:shade val="15000"/>
+              </a:schemeClr>
+            </a:lnRef>
+            <a:fillRef idx="1">
+              <a:schemeClr val="accent1"/>
+            </a:fillRef>
+            <a:effectRef idx="0">
+              <a:schemeClr val="accent1"/>
+            </a:effectRef>
+            <a:fontRef idx="minor">
+              <a:schemeClr val="lt1"/>
+            </a:fontRef>
+          </p:style>
+          <p:txBody>
+            <a:bodyPr rtlCol="0" anchor="ctr"/>
+            <a:lstStyle/>
+            <a:p>
+              <a:pPr algn="ctr"/>
+              <a:endParaRPr kumimoji="1" lang="ja-JP" altLang="en-US"/>
+            </a:p>
+          </p:txBody>
+        </p:sp>
+        <p:sp>
+          <p:nvSpPr>
+            <p:cNvPr id="40" name="楕円 39">
+              <a:extLst>
+                <a:ext uri="{FF2B5EF4-FFF2-40B4-BE49-F238E27FC236}">
+                  <a16:creationId xmlns:a16="http://schemas.microsoft.com/office/drawing/2014/main" id="{F6DCD440-4A98-BF4A-0746-AAFC6B3B1B11}"/>
+                </a:ext>
+              </a:extLst>
+            </p:cNvPr>
+            <p:cNvSpPr/>
+            <p:nvPr/>
+          </p:nvSpPr>
+          <p:spPr>
+            <a:xfrm>
+              <a:off x="4314506" y="1733623"/>
+              <a:ext cx="148868" cy="148868"/>
+            </a:xfrm>
+            <a:prstGeom prst="ellipse">
+              <a:avLst/>
+            </a:prstGeom>
+            <a:solidFill>
+              <a:schemeClr val="bg1"/>
+            </a:solidFill>
+            <a:ln w="38100">
+              <a:solidFill>
+                <a:srgbClr val="FFFF00"/>
+              </a:solidFill>
+            </a:ln>
+          </p:spPr>
+          <p:style>
+            <a:lnRef idx="2">
+              <a:schemeClr val="accent1">
+                <a:shade val="15000"/>
+              </a:schemeClr>
+            </a:lnRef>
+            <a:fillRef idx="1">
+              <a:schemeClr val="accent1"/>
+            </a:fillRef>
+            <a:effectRef idx="0">
+              <a:schemeClr val="accent1"/>
+            </a:effectRef>
+            <a:fontRef idx="minor">
+              <a:schemeClr val="lt1"/>
+            </a:fontRef>
+          </p:style>
+          <p:txBody>
+            <a:bodyPr rtlCol="0" anchor="ctr"/>
+            <a:lstStyle/>
+            <a:p>
+              <a:pPr algn="ctr"/>
+              <a:endParaRPr kumimoji="1" lang="ja-JP" altLang="en-US"/>
+            </a:p>
+          </p:txBody>
+        </p:sp>
+        <p:sp>
+          <p:nvSpPr>
+            <p:cNvPr id="41" name="楕円 40">
+              <a:extLst>
+                <a:ext uri="{FF2B5EF4-FFF2-40B4-BE49-F238E27FC236}">
+                  <a16:creationId xmlns:a16="http://schemas.microsoft.com/office/drawing/2014/main" id="{F79A0CF1-4148-4477-35FE-ACC2192FA1C7}"/>
+                </a:ext>
+              </a:extLst>
+            </p:cNvPr>
+            <p:cNvSpPr/>
+            <p:nvPr/>
+          </p:nvSpPr>
+          <p:spPr>
+            <a:xfrm>
+              <a:off x="4958374" y="1733623"/>
+              <a:ext cx="148868" cy="148868"/>
+            </a:xfrm>
+            <a:prstGeom prst="ellipse">
+              <a:avLst/>
+            </a:prstGeom>
+            <a:solidFill>
+              <a:schemeClr val="bg1"/>
+            </a:solidFill>
+            <a:ln w="38100">
+              <a:solidFill>
+                <a:srgbClr val="FFFF00"/>
+              </a:solidFill>
+            </a:ln>
+          </p:spPr>
+          <p:style>
+            <a:lnRef idx="2">
+              <a:schemeClr val="accent1">
+                <a:shade val="15000"/>
+              </a:schemeClr>
+            </a:lnRef>
+            <a:fillRef idx="1">
+              <a:schemeClr val="accent1"/>
+            </a:fillRef>
+            <a:effectRef idx="0">
+              <a:schemeClr val="accent1"/>
+            </a:effectRef>
+            <a:fontRef idx="minor">
+              <a:schemeClr val="lt1"/>
+            </a:fontRef>
+          </p:style>
+          <p:txBody>
+            <a:bodyPr rtlCol="0" anchor="ctr"/>
+            <a:lstStyle/>
+            <a:p>
+              <a:pPr algn="ctr"/>
+              <a:endParaRPr kumimoji="1" lang="ja-JP" altLang="en-US"/>
+            </a:p>
+          </p:txBody>
+        </p:sp>
+      </p:grpSp>
+      <p:cxnSp>
+        <p:nvCxnSpPr>
+          <p:cNvPr id="43" name="直線コネクタ 42">
+            <a:extLst>
+              <a:ext uri="{FF2B5EF4-FFF2-40B4-BE49-F238E27FC236}">
+                <a16:creationId xmlns:a16="http://schemas.microsoft.com/office/drawing/2014/main" id="{95731377-B0AC-28A6-DF04-03F6A97177F3}"/>
+              </a:ext>
+            </a:extLst>
+          </p:cNvPr>
+          <p:cNvCxnSpPr/>
+          <p:nvPr/>
+        </p:nvCxnSpPr>
+        <p:spPr>
+          <a:xfrm>
+            <a:off x="1275347" y="3513966"/>
+            <a:ext cx="0" cy="871087"/>
+          </a:xfrm>
+          <a:prstGeom prst="line">
+            <a:avLst/>
+          </a:prstGeom>
+          <a:ln w="38100">
+            <a:solidFill>
+              <a:schemeClr val="tx1"/>
+            </a:solidFill>
+          </a:ln>
+        </p:spPr>
+        <p:style>
+          <a:lnRef idx="1">
+            <a:schemeClr val="accent1"/>
+          </a:lnRef>
+          <a:fillRef idx="0">
+            <a:schemeClr val="accent1"/>
+          </a:fillRef>
+          <a:effectRef idx="0">
+            <a:schemeClr val="accent1"/>
+          </a:effectRef>
+          <a:fontRef idx="minor">
+            <a:schemeClr val="tx1"/>
+          </a:fontRef>
+        </p:style>
+      </p:cxnSp>
+      <p:cxnSp>
+        <p:nvCxnSpPr>
+          <p:cNvPr id="44" name="直線コネクタ 43">
+            <a:extLst>
+              <a:ext uri="{FF2B5EF4-FFF2-40B4-BE49-F238E27FC236}">
+                <a16:creationId xmlns:a16="http://schemas.microsoft.com/office/drawing/2014/main" id="{0EE66973-B28F-27F8-F706-9B6C976A3BE1}"/>
+              </a:ext>
+            </a:extLst>
+          </p:cNvPr>
+          <p:cNvCxnSpPr>
+            <a:cxnSpLocks/>
+          </p:cNvCxnSpPr>
+          <p:nvPr/>
+        </p:nvCxnSpPr>
+        <p:spPr>
+          <a:xfrm>
+            <a:off x="7222156" y="457200"/>
+            <a:ext cx="0" cy="4008063"/>
+          </a:xfrm>
+          <a:prstGeom prst="line">
+            <a:avLst/>
+          </a:prstGeom>
+          <a:ln w="38100">
+            <a:solidFill>
+              <a:schemeClr val="tx1"/>
+            </a:solidFill>
+          </a:ln>
+        </p:spPr>
+        <p:style>
+          <a:lnRef idx="1">
+            <a:schemeClr val="accent1"/>
+          </a:lnRef>
+          <a:fillRef idx="0">
+            <a:schemeClr val="accent1"/>
+          </a:fillRef>
+          <a:effectRef idx="0">
+            <a:schemeClr val="accent1"/>
+          </a:effectRef>
+          <a:fontRef idx="minor">
+            <a:schemeClr val="tx1"/>
+          </a:fontRef>
+        </p:style>
+      </p:cxnSp>
+      <p:cxnSp>
+        <p:nvCxnSpPr>
+          <p:cNvPr id="47" name="直線コネクタ 46">
+            <a:extLst>
+              <a:ext uri="{FF2B5EF4-FFF2-40B4-BE49-F238E27FC236}">
+                <a16:creationId xmlns:a16="http://schemas.microsoft.com/office/drawing/2014/main" id="{E6B0DD0B-F942-B058-0440-0E1165A29145}"/>
+              </a:ext>
+            </a:extLst>
+          </p:cNvPr>
+          <p:cNvCxnSpPr/>
+          <p:nvPr/>
+        </p:nvCxnSpPr>
+        <p:spPr>
+          <a:xfrm>
+            <a:off x="6054291" y="1145406"/>
+            <a:ext cx="630454" cy="0"/>
+          </a:xfrm>
+          <a:prstGeom prst="line">
+            <a:avLst/>
+          </a:prstGeom>
+          <a:ln w="12700">
+            <a:solidFill>
+              <a:srgbClr val="FF0000"/>
+            </a:solidFill>
+          </a:ln>
+        </p:spPr>
+        <p:style>
+          <a:lnRef idx="1">
+            <a:schemeClr val="accent1"/>
+          </a:lnRef>
+          <a:fillRef idx="0">
+            <a:schemeClr val="accent1"/>
+          </a:fillRef>
+          <a:effectRef idx="0">
+            <a:schemeClr val="accent1"/>
+          </a:effectRef>
+          <a:fontRef idx="minor">
+            <a:schemeClr val="tx1"/>
+          </a:fontRef>
+        </p:style>
+      </p:cxnSp>
+      <p:cxnSp>
+        <p:nvCxnSpPr>
+          <p:cNvPr id="48" name="直線コネクタ 47">
+            <a:extLst>
+              <a:ext uri="{FF2B5EF4-FFF2-40B4-BE49-F238E27FC236}">
+                <a16:creationId xmlns:a16="http://schemas.microsoft.com/office/drawing/2014/main" id="{8EE34B69-8A2B-6D67-C0DC-CF548E0E7A70}"/>
+              </a:ext>
+            </a:extLst>
+          </p:cNvPr>
+          <p:cNvCxnSpPr/>
+          <p:nvPr/>
+        </p:nvCxnSpPr>
+        <p:spPr>
+          <a:xfrm>
+            <a:off x="7732295" y="1145406"/>
+            <a:ext cx="630454" cy="0"/>
+          </a:xfrm>
+          <a:prstGeom prst="line">
+            <a:avLst/>
+          </a:prstGeom>
+          <a:ln w="12700">
+            <a:solidFill>
+              <a:srgbClr val="FF0000"/>
+            </a:solidFill>
+          </a:ln>
+        </p:spPr>
+        <p:style>
+          <a:lnRef idx="1">
+            <a:schemeClr val="accent1"/>
+          </a:lnRef>
+          <a:fillRef idx="0">
+            <a:schemeClr val="accent1"/>
+          </a:fillRef>
+          <a:effectRef idx="0">
+            <a:schemeClr val="accent1"/>
+          </a:effectRef>
+          <a:fontRef idx="minor">
+            <a:schemeClr val="tx1"/>
+          </a:fontRef>
+        </p:style>
+      </p:cxnSp>
+      <p:sp>
+        <p:nvSpPr>
+          <p:cNvPr id="49" name="テキスト ボックス 48">
+            <a:extLst>
+              <a:ext uri="{FF2B5EF4-FFF2-40B4-BE49-F238E27FC236}">
+                <a16:creationId xmlns:a16="http://schemas.microsoft.com/office/drawing/2014/main" id="{E64381C2-B742-7427-483E-6F188F17699E}"/>
+              </a:ext>
+            </a:extLst>
+          </p:cNvPr>
+          <p:cNvSpPr txBox="1"/>
+          <p:nvPr/>
+        </p:nvSpPr>
+        <p:spPr>
+          <a:xfrm>
+            <a:off x="1375207" y="654341"/>
+            <a:ext cx="2359941" cy="369332"/>
+          </a:xfrm>
+          <a:prstGeom prst="rect">
+            <a:avLst/>
+          </a:prstGeom>
+          <a:noFill/>
+        </p:spPr>
+        <p:txBody>
+          <a:bodyPr wrap="none" rtlCol="0">
+            <a:spAutoFit/>
+          </a:bodyPr>
+          <a:lstStyle/>
+          <a:p>
+            <a:r>
+              <a:rPr kumimoji="1" lang="en-US" altLang="ja-JP" dirty="0"/>
+              <a:t>L</a:t>
+            </a:r>
+            <a:r>
+              <a:rPr kumimoji="1" lang="ja-JP" altLang="en-US" dirty="0"/>
+              <a:t>コース　パターン５</a:t>
+            </a:r>
+            <a:endParaRPr kumimoji="1" lang="en-US" altLang="ja-JP" dirty="0"/>
+          </a:p>
+        </p:txBody>
+      </p:sp>
+      <p:sp>
+        <p:nvSpPr>
+          <p:cNvPr id="4" name="正方形/長方形 3">
+            <a:extLst>
+              <a:ext uri="{FF2B5EF4-FFF2-40B4-BE49-F238E27FC236}">
+                <a16:creationId xmlns:a16="http://schemas.microsoft.com/office/drawing/2014/main" id="{D974E008-B6B6-7264-5DE3-F74950E161D4}"/>
+              </a:ext>
+            </a:extLst>
+          </p:cNvPr>
+          <p:cNvSpPr/>
+          <p:nvPr/>
+        </p:nvSpPr>
+        <p:spPr>
+          <a:xfrm>
+            <a:off x="4252574" y="2959427"/>
+            <a:ext cx="280722" cy="280722"/>
+          </a:xfrm>
+          <a:prstGeom prst="rect">
+            <a:avLst/>
+          </a:prstGeom>
+          <a:noFill/>
+          <a:ln>
+            <a:solidFill>
+              <a:schemeClr val="tx1"/>
+            </a:solidFill>
+          </a:ln>
+        </p:spPr>
+        <p:style>
+          <a:lnRef idx="2">
+            <a:schemeClr val="accent1">
+              <a:shade val="15000"/>
+            </a:schemeClr>
+          </a:lnRef>
+          <a:fillRef idx="1">
+            <a:schemeClr val="accent1"/>
+          </a:fillRef>
+          <a:effectRef idx="0">
+            <a:schemeClr val="accent1"/>
+          </a:effectRef>
+          <a:fontRef idx="minor">
+            <a:schemeClr val="lt1"/>
+          </a:fontRef>
+        </p:style>
+        <p:txBody>
+          <a:bodyPr rtlCol="0" anchor="ctr"/>
+          <a:lstStyle/>
+          <a:p>
+            <a:pPr algn="ctr"/>
+            <a:endParaRPr kumimoji="1" lang="ja-JP" altLang="en-US"/>
+          </a:p>
+        </p:txBody>
+      </p:sp>
+      <p:sp>
+        <p:nvSpPr>
+          <p:cNvPr id="5" name="正方形/長方形 4">
+            <a:extLst>
+              <a:ext uri="{FF2B5EF4-FFF2-40B4-BE49-F238E27FC236}">
+                <a16:creationId xmlns:a16="http://schemas.microsoft.com/office/drawing/2014/main" id="{0675BF49-46F1-FF62-A1F4-5463778658FD}"/>
+              </a:ext>
+            </a:extLst>
+          </p:cNvPr>
+          <p:cNvSpPr/>
+          <p:nvPr/>
+        </p:nvSpPr>
+        <p:spPr>
+          <a:xfrm>
+            <a:off x="2964838" y="1667541"/>
+            <a:ext cx="280722" cy="280722"/>
+          </a:xfrm>
+          <a:prstGeom prst="rect">
+            <a:avLst/>
+          </a:prstGeom>
+          <a:noFill/>
+          <a:ln>
+            <a:solidFill>
+              <a:schemeClr val="tx1"/>
+            </a:solidFill>
+          </a:ln>
+        </p:spPr>
+        <p:style>
+          <a:lnRef idx="2">
+            <a:schemeClr val="accent1">
+              <a:shade val="15000"/>
+            </a:schemeClr>
+          </a:lnRef>
+          <a:fillRef idx="1">
+            <a:schemeClr val="accent1"/>
+          </a:fillRef>
+          <a:effectRef idx="0">
+            <a:schemeClr val="accent1"/>
+          </a:effectRef>
+          <a:fontRef idx="minor">
+            <a:schemeClr val="lt1"/>
+          </a:fontRef>
+        </p:style>
+        <p:txBody>
+          <a:bodyPr rtlCol="0" anchor="ctr"/>
+          <a:lstStyle/>
+          <a:p>
+            <a:pPr algn="ctr"/>
+            <a:endParaRPr kumimoji="1" lang="ja-JP" altLang="en-US"/>
+          </a:p>
+        </p:txBody>
+      </p:sp>
+      <p:sp>
+        <p:nvSpPr>
+          <p:cNvPr id="12" name="正方形/長方形 11">
+            <a:extLst>
+              <a:ext uri="{FF2B5EF4-FFF2-40B4-BE49-F238E27FC236}">
+                <a16:creationId xmlns:a16="http://schemas.microsoft.com/office/drawing/2014/main" id="{2866D726-BD63-CC1B-7686-0590E577563F}"/>
+              </a:ext>
+            </a:extLst>
+          </p:cNvPr>
+          <p:cNvSpPr/>
+          <p:nvPr/>
+        </p:nvSpPr>
+        <p:spPr>
+          <a:xfrm>
+            <a:off x="3594886" y="3599455"/>
+            <a:ext cx="280722" cy="280722"/>
+          </a:xfrm>
+          <a:prstGeom prst="rect">
+            <a:avLst/>
+          </a:prstGeom>
+          <a:noFill/>
+          <a:ln>
+            <a:solidFill>
+              <a:schemeClr val="tx1"/>
+            </a:solidFill>
+          </a:ln>
+        </p:spPr>
+        <p:style>
+          <a:lnRef idx="2">
+            <a:schemeClr val="accent1">
+              <a:shade val="15000"/>
+            </a:schemeClr>
+          </a:lnRef>
+          <a:fillRef idx="1">
+            <a:schemeClr val="accent1"/>
+          </a:fillRef>
+          <a:effectRef idx="0">
+            <a:schemeClr val="accent1"/>
+          </a:effectRef>
+          <a:fontRef idx="minor">
+            <a:schemeClr val="lt1"/>
+          </a:fontRef>
+        </p:style>
+        <p:txBody>
+          <a:bodyPr rtlCol="0" anchor="ctr"/>
+          <a:lstStyle/>
+          <a:p>
+            <a:pPr algn="ctr"/>
+            <a:endParaRPr kumimoji="1" lang="ja-JP" altLang="en-US"/>
+          </a:p>
+        </p:txBody>
+      </p:sp>
+    </p:spTree>
+    <p:extLst>
+      <p:ext uri="{BB962C8B-B14F-4D97-AF65-F5344CB8AC3E}">
+        <p14:creationId xmlns:p14="http://schemas.microsoft.com/office/powerpoint/2010/main" val="644482638"/>
+      </p:ext>
+    </p:extLst>
+  </p:cSld>
+  <p:clrMapOvr>
+    <a:masterClrMapping/>
+  </p:clrMapOvr>
+</p:sld>
+</file>
+
+<file path=ppt/slides/slide11.xml><?xml version="1.0" encoding="utf-8"?>
+<p:sld xmlns:a="http://schemas.openxmlformats.org/drawingml/2006/main" xmlns:r="http://schemas.openxmlformats.org/officeDocument/2006/relationships" xmlns:p="http://schemas.openxmlformats.org/presentationml/2006/main">
+  <p:cSld>
+    <p:spTree>
+      <p:nvGrpSpPr>
+        <p:cNvPr id="1" name=""/>
+        <p:cNvGrpSpPr/>
+        <p:nvPr/>
+      </p:nvGrpSpPr>
+      <p:grpSpPr>
+        <a:xfrm>
+          <a:off x="0" y="0"/>
+          <a:ext cx="0" cy="0"/>
+          <a:chOff x="0" y="0"/>
+          <a:chExt cx="0" cy="0"/>
+        </a:xfrm>
+      </p:grpSpPr>
+      <p:sp>
+        <p:nvSpPr>
+          <p:cNvPr id="2" name="楕円 1">
+            <a:extLst>
+              <a:ext uri="{FF2B5EF4-FFF2-40B4-BE49-F238E27FC236}">
+                <a16:creationId xmlns:a16="http://schemas.microsoft.com/office/drawing/2014/main" id="{1E0A09D6-9858-C5BF-C318-113C224FFEA0}"/>
+              </a:ext>
+            </a:extLst>
+          </p:cNvPr>
+          <p:cNvSpPr/>
+          <p:nvPr/>
+        </p:nvSpPr>
+        <p:spPr>
           <a:xfrm flipH="1">
             <a:off x="8170271" y="3321488"/>
             <a:ext cx="192478" cy="192478"/>
@@ -5169,7 +7008,7 @@
 </p:sld>
 </file>
 
-<file path=ppt/slides/slide11.xml><?xml version="1.0" encoding="utf-8"?>
+<file path=ppt/slides/slide12.xml><?xml version="1.0" encoding="utf-8"?>
 <p:sld xmlns:a="http://schemas.openxmlformats.org/drawingml/2006/main" xmlns:r="http://schemas.openxmlformats.org/officeDocument/2006/relationships" xmlns:p="http://schemas.openxmlformats.org/presentationml/2006/main">
   <p:cSld>
     <p:spTree>
@@ -7008,7 +8847,7 @@
 </p:sld>
 </file>
 
-<file path=ppt/slides/slide12.xml><?xml version="1.0" encoding="utf-8"?>
+<file path=ppt/slides/slide13.xml><?xml version="1.0" encoding="utf-8"?>
 <p:sld xmlns:a="http://schemas.openxmlformats.org/drawingml/2006/main" xmlns:r="http://schemas.openxmlformats.org/officeDocument/2006/relationships" xmlns:p="http://schemas.openxmlformats.org/presentationml/2006/main">
   <p:cSld>
     <p:spTree>
@@ -8847,7 +10686,7 @@
 </p:sld>
 </file>
 
-<file path=ppt/slides/slide13.xml><?xml version="1.0" encoding="utf-8"?>
+<file path=ppt/slides/slide14.xml><?xml version="1.0" encoding="utf-8"?>
 <p:sld xmlns:a="http://schemas.openxmlformats.org/drawingml/2006/main" xmlns:r="http://schemas.openxmlformats.org/officeDocument/2006/relationships" xmlns:p="http://schemas.openxmlformats.org/presentationml/2006/main">
   <p:cSld>
     <p:spTree>
@@ -10686,7 +12525,7 @@
 </p:sld>
 </file>
 
-<file path=ppt/slides/slide14.xml><?xml version="1.0" encoding="utf-8"?>
+<file path=ppt/slides/slide15.xml><?xml version="1.0" encoding="utf-8"?>
 <p:sld xmlns:a="http://schemas.openxmlformats.org/drawingml/2006/main" xmlns:r="http://schemas.openxmlformats.org/officeDocument/2006/relationships" xmlns:p="http://schemas.openxmlformats.org/presentationml/2006/main">
   <p:cSld>
     <p:spTree>
@@ -12607,6 +14446,36 @@
           <a:chExt cx="0" cy="0"/>
         </a:xfrm>
       </p:grpSpPr>
+    </p:spTree>
+    <p:extLst>
+      <p:ext uri="{BB962C8B-B14F-4D97-AF65-F5344CB8AC3E}">
+        <p14:creationId xmlns:p14="http://schemas.microsoft.com/office/powerpoint/2010/main" val="1404693106"/>
+      </p:ext>
+    </p:extLst>
+  </p:cSld>
+  <p:clrMapOvr>
+    <a:masterClrMapping/>
+  </p:clrMapOvr>
+</p:sld>
+</file>
+
+<file path=ppt/slides/slide4.xml><?xml version="1.0" encoding="utf-8"?>
+<p:sld xmlns:a="http://schemas.openxmlformats.org/drawingml/2006/main" xmlns:r="http://schemas.openxmlformats.org/officeDocument/2006/relationships" xmlns:p="http://schemas.openxmlformats.org/presentationml/2006/main">
+  <p:cSld>
+    <p:spTree>
+      <p:nvGrpSpPr>
+        <p:cNvPr id="1" name=""/>
+        <p:cNvGrpSpPr/>
+        <p:nvPr/>
+      </p:nvGrpSpPr>
+      <p:grpSpPr>
+        <a:xfrm>
+          <a:off x="0" y="0"/>
+          <a:ext cx="0" cy="0"/>
+          <a:chOff x="0" y="0"/>
+          <a:chExt cx="0" cy="0"/>
+        </a:xfrm>
+      </p:grpSpPr>
       <p:sp>
         <p:nvSpPr>
           <p:cNvPr id="6" name="正方形/長方形 5">
@@ -14246,7 +16115,7 @@
 </p:sld>
 </file>
 
-<file path=ppt/slides/slide4.xml><?xml version="1.0" encoding="utf-8"?>
+<file path=ppt/slides/slide5.xml><?xml version="1.0" encoding="utf-8"?>
 <p:sld xmlns:a="http://schemas.openxmlformats.org/drawingml/2006/main" xmlns:r="http://schemas.openxmlformats.org/officeDocument/2006/relationships" xmlns:p="http://schemas.openxmlformats.org/presentationml/2006/main">
   <p:cSld>
     <p:spTree>
@@ -15908,7 +17777,7 @@
 </p:sld>
 </file>
 
-<file path=ppt/slides/slide5.xml><?xml version="1.0" encoding="utf-8"?>
+<file path=ppt/slides/slide6.xml><?xml version="1.0" encoding="utf-8"?>
 <p:sld xmlns:a="http://schemas.openxmlformats.org/drawingml/2006/main" xmlns:r="http://schemas.openxmlformats.org/officeDocument/2006/relationships" xmlns:p="http://schemas.openxmlformats.org/presentationml/2006/main">
   <p:cSld>
     <p:spTree>
@@ -17741,7 +19610,7 @@
 </p:sld>
 </file>
 
-<file path=ppt/slides/slide6.xml><?xml version="1.0" encoding="utf-8"?>
+<file path=ppt/slides/slide7.xml><?xml version="1.0" encoding="utf-8"?>
 <p:sld xmlns:a="http://schemas.openxmlformats.org/drawingml/2006/main" xmlns:r="http://schemas.openxmlformats.org/officeDocument/2006/relationships" xmlns:p="http://schemas.openxmlformats.org/presentationml/2006/main">
   <p:cSld>
     <p:spTree>
@@ -19574,7 +21443,7 @@
 </p:sld>
 </file>
 
-<file path=ppt/slides/slide7.xml><?xml version="1.0" encoding="utf-8"?>
+<file path=ppt/slides/slide8.xml><?xml version="1.0" encoding="utf-8"?>
 <p:sld xmlns:a="http://schemas.openxmlformats.org/drawingml/2006/main" xmlns:r="http://schemas.openxmlformats.org/officeDocument/2006/relationships" xmlns:p="http://schemas.openxmlformats.org/presentationml/2006/main">
   <p:cSld>
     <p:spTree>
@@ -21407,7 +23276,7 @@
 </p:sld>
 </file>
 
-<file path=ppt/slides/slide8.xml><?xml version="1.0" encoding="utf-8"?>
+<file path=ppt/slides/slide9.xml><?xml version="1.0" encoding="utf-8"?>
 <p:sld xmlns:a="http://schemas.openxmlformats.org/drawingml/2006/main" xmlns:r="http://schemas.openxmlformats.org/officeDocument/2006/relationships" xmlns:p="http://schemas.openxmlformats.org/presentationml/2006/main">
   <p:cSld>
     <p:spTree>
@@ -23231,1839 +25100,6 @@
     <p:extLst>
       <p:ext uri="{BB962C8B-B14F-4D97-AF65-F5344CB8AC3E}">
         <p14:creationId xmlns:p14="http://schemas.microsoft.com/office/powerpoint/2010/main" val="4162211905"/>
-      </p:ext>
-    </p:extLst>
-  </p:cSld>
-  <p:clrMapOvr>
-    <a:masterClrMapping/>
-  </p:clrMapOvr>
-</p:sld>
-</file>
-
-<file path=ppt/slides/slide9.xml><?xml version="1.0" encoding="utf-8"?>
-<p:sld xmlns:a="http://schemas.openxmlformats.org/drawingml/2006/main" xmlns:r="http://schemas.openxmlformats.org/officeDocument/2006/relationships" xmlns:p="http://schemas.openxmlformats.org/presentationml/2006/main">
-  <p:cSld>
-    <p:spTree>
-      <p:nvGrpSpPr>
-        <p:cNvPr id="1" name=""/>
-        <p:cNvGrpSpPr/>
-        <p:nvPr/>
-      </p:nvGrpSpPr>
-      <p:grpSpPr>
-        <a:xfrm>
-          <a:off x="0" y="0"/>
-          <a:ext cx="0" cy="0"/>
-          <a:chOff x="0" y="0"/>
-          <a:chExt cx="0" cy="0"/>
-        </a:xfrm>
-      </p:grpSpPr>
-      <p:sp>
-        <p:nvSpPr>
-          <p:cNvPr id="2" name="楕円 1">
-            <a:extLst>
-              <a:ext uri="{FF2B5EF4-FFF2-40B4-BE49-F238E27FC236}">
-                <a16:creationId xmlns:a16="http://schemas.microsoft.com/office/drawing/2014/main" id="{1E0A09D6-9858-C5BF-C318-113C224FFEA0}"/>
-              </a:ext>
-            </a:extLst>
-          </p:cNvPr>
-          <p:cNvSpPr/>
-          <p:nvPr/>
-        </p:nvSpPr>
-        <p:spPr>
-          <a:xfrm>
-            <a:off x="1182729" y="3321488"/>
-            <a:ext cx="192478" cy="192478"/>
-          </a:xfrm>
-          <a:prstGeom prst="ellipse">
-            <a:avLst/>
-          </a:prstGeom>
-          <a:solidFill>
-            <a:schemeClr val="bg1"/>
-          </a:solidFill>
-          <a:ln w="38100">
-            <a:solidFill>
-              <a:srgbClr val="FF0000"/>
-            </a:solidFill>
-          </a:ln>
-        </p:spPr>
-        <p:style>
-          <a:lnRef idx="2">
-            <a:schemeClr val="accent1">
-              <a:shade val="15000"/>
-            </a:schemeClr>
-          </a:lnRef>
-          <a:fillRef idx="1">
-            <a:schemeClr val="accent1"/>
-          </a:fillRef>
-          <a:effectRef idx="0">
-            <a:schemeClr val="accent1"/>
-          </a:effectRef>
-          <a:fontRef idx="minor">
-            <a:schemeClr val="lt1"/>
-          </a:fontRef>
-        </p:style>
-        <p:txBody>
-          <a:bodyPr rtlCol="0" anchor="ctr"/>
-          <a:lstStyle/>
-          <a:p>
-            <a:pPr algn="ctr"/>
-            <a:endParaRPr kumimoji="1" lang="ja-JP" altLang="en-US"/>
-          </a:p>
-        </p:txBody>
-      </p:sp>
-      <p:grpSp>
-        <p:nvGrpSpPr>
-          <p:cNvPr id="11" name="グループ化 10">
-            <a:extLst>
-              <a:ext uri="{FF2B5EF4-FFF2-40B4-BE49-F238E27FC236}">
-                <a16:creationId xmlns:a16="http://schemas.microsoft.com/office/drawing/2014/main" id="{82AED9E3-07AD-83D4-D288-748374BFDDA4}"/>
-              </a:ext>
-            </a:extLst>
-          </p:cNvPr>
-          <p:cNvGrpSpPr/>
-          <p:nvPr/>
-        </p:nvGrpSpPr>
-        <p:grpSpPr>
-          <a:xfrm>
-            <a:off x="3026770" y="1733623"/>
-            <a:ext cx="2080472" cy="2080472"/>
-            <a:chOff x="3026770" y="1733623"/>
-            <a:chExt cx="2080472" cy="2080472"/>
-          </a:xfrm>
-        </p:grpSpPr>
-        <p:sp>
-          <p:nvSpPr>
-            <p:cNvPr id="6" name="正方形/長方形 5">
-              <a:extLst>
-                <a:ext uri="{FF2B5EF4-FFF2-40B4-BE49-F238E27FC236}">
-                  <a16:creationId xmlns:a16="http://schemas.microsoft.com/office/drawing/2014/main" id="{170A6D10-9A78-D827-0C40-A4F66AD4EE68}"/>
-                </a:ext>
-              </a:extLst>
-            </p:cNvPr>
-            <p:cNvSpPr/>
-            <p:nvPr/>
-          </p:nvSpPr>
-          <p:spPr>
-            <a:xfrm>
-              <a:off x="3101204" y="3095793"/>
-              <a:ext cx="643868" cy="643868"/>
-            </a:xfrm>
-            <a:prstGeom prst="rect">
-              <a:avLst/>
-            </a:prstGeom>
-            <a:solidFill>
-              <a:schemeClr val="bg1"/>
-            </a:solidFill>
-            <a:ln w="38100">
-              <a:solidFill>
-                <a:schemeClr val="tx1"/>
-              </a:solidFill>
-            </a:ln>
-          </p:spPr>
-          <p:style>
-            <a:lnRef idx="2">
-              <a:schemeClr val="accent1">
-                <a:shade val="15000"/>
-              </a:schemeClr>
-            </a:lnRef>
-            <a:fillRef idx="1">
-              <a:schemeClr val="accent1"/>
-            </a:fillRef>
-            <a:effectRef idx="0">
-              <a:schemeClr val="accent1"/>
-            </a:effectRef>
-            <a:fontRef idx="minor">
-              <a:schemeClr val="lt1"/>
-            </a:fontRef>
-          </p:style>
-          <p:txBody>
-            <a:bodyPr rtlCol="0" anchor="ctr"/>
-            <a:lstStyle/>
-            <a:p>
-              <a:pPr algn="ctr"/>
-              <a:endParaRPr kumimoji="1" lang="ja-JP" altLang="en-US"/>
-            </a:p>
-          </p:txBody>
-        </p:sp>
-        <p:sp>
-          <p:nvSpPr>
-            <p:cNvPr id="3" name="楕円 2">
-              <a:extLst>
-                <a:ext uri="{FF2B5EF4-FFF2-40B4-BE49-F238E27FC236}">
-                  <a16:creationId xmlns:a16="http://schemas.microsoft.com/office/drawing/2014/main" id="{EFB90595-A0ED-1A88-755A-B10849DA4272}"/>
-                </a:ext>
-              </a:extLst>
-            </p:cNvPr>
-            <p:cNvSpPr/>
-            <p:nvPr/>
-          </p:nvSpPr>
-          <p:spPr>
-            <a:xfrm>
-              <a:off x="3026770" y="3665227"/>
-              <a:ext cx="148868" cy="148868"/>
-            </a:xfrm>
-            <a:prstGeom prst="ellipse">
-              <a:avLst/>
-            </a:prstGeom>
-            <a:solidFill>
-              <a:schemeClr val="bg1"/>
-            </a:solidFill>
-            <a:ln w="38100">
-              <a:solidFill>
-                <a:srgbClr val="0070C0"/>
-              </a:solidFill>
-            </a:ln>
-          </p:spPr>
-          <p:style>
-            <a:lnRef idx="2">
-              <a:schemeClr val="accent1">
-                <a:shade val="15000"/>
-              </a:schemeClr>
-            </a:lnRef>
-            <a:fillRef idx="1">
-              <a:schemeClr val="accent1"/>
-            </a:fillRef>
-            <a:effectRef idx="0">
-              <a:schemeClr val="accent1"/>
-            </a:effectRef>
-            <a:fontRef idx="minor">
-              <a:schemeClr val="lt1"/>
-            </a:fontRef>
-          </p:style>
-          <p:txBody>
-            <a:bodyPr rtlCol="0" anchor="ctr"/>
-            <a:lstStyle/>
-            <a:p>
-              <a:pPr algn="ctr"/>
-              <a:endParaRPr kumimoji="1" lang="ja-JP" altLang="en-US">
-                <a:solidFill>
-                  <a:srgbClr val="FF0000"/>
-                </a:solidFill>
-              </a:endParaRPr>
-            </a:p>
-          </p:txBody>
-        </p:sp>
-        <p:sp>
-          <p:nvSpPr>
-            <p:cNvPr id="7" name="正方形/長方形 6">
-              <a:extLst>
-                <a:ext uri="{FF2B5EF4-FFF2-40B4-BE49-F238E27FC236}">
-                  <a16:creationId xmlns:a16="http://schemas.microsoft.com/office/drawing/2014/main" id="{22E300E7-BAA5-0282-4222-A9B361768332}"/>
-                </a:ext>
-              </a:extLst>
-            </p:cNvPr>
-            <p:cNvSpPr/>
-            <p:nvPr/>
-          </p:nvSpPr>
-          <p:spPr>
-            <a:xfrm>
-              <a:off x="3745072" y="3095793"/>
-              <a:ext cx="643868" cy="643868"/>
-            </a:xfrm>
-            <a:prstGeom prst="rect">
-              <a:avLst/>
-            </a:prstGeom>
-            <a:solidFill>
-              <a:schemeClr val="bg1"/>
-            </a:solidFill>
-            <a:ln w="38100">
-              <a:solidFill>
-                <a:schemeClr val="tx1"/>
-              </a:solidFill>
-            </a:ln>
-          </p:spPr>
-          <p:style>
-            <a:lnRef idx="2">
-              <a:schemeClr val="accent1">
-                <a:shade val="15000"/>
-              </a:schemeClr>
-            </a:lnRef>
-            <a:fillRef idx="1">
-              <a:schemeClr val="accent1"/>
-            </a:fillRef>
-            <a:effectRef idx="0">
-              <a:schemeClr val="accent1"/>
-            </a:effectRef>
-            <a:fontRef idx="minor">
-              <a:schemeClr val="lt1"/>
-            </a:fontRef>
-          </p:style>
-          <p:txBody>
-            <a:bodyPr rtlCol="0" anchor="ctr"/>
-            <a:lstStyle/>
-            <a:p>
-              <a:pPr algn="ctr"/>
-              <a:endParaRPr kumimoji="1" lang="ja-JP" altLang="en-US"/>
-            </a:p>
-          </p:txBody>
-        </p:sp>
-        <p:sp>
-          <p:nvSpPr>
-            <p:cNvPr id="10" name="正方形/長方形 9">
-              <a:extLst>
-                <a:ext uri="{FF2B5EF4-FFF2-40B4-BE49-F238E27FC236}">
-                  <a16:creationId xmlns:a16="http://schemas.microsoft.com/office/drawing/2014/main" id="{BCE94D10-164E-B563-E822-4393F02C6C0A}"/>
-                </a:ext>
-              </a:extLst>
-            </p:cNvPr>
-            <p:cNvSpPr/>
-            <p:nvPr/>
-          </p:nvSpPr>
-          <p:spPr>
-            <a:xfrm>
-              <a:off x="4388940" y="3095793"/>
-              <a:ext cx="643868" cy="643868"/>
-            </a:xfrm>
-            <a:prstGeom prst="rect">
-              <a:avLst/>
-            </a:prstGeom>
-            <a:solidFill>
-              <a:schemeClr val="bg1"/>
-            </a:solidFill>
-            <a:ln w="38100">
-              <a:solidFill>
-                <a:schemeClr val="tx1"/>
-              </a:solidFill>
-            </a:ln>
-          </p:spPr>
-          <p:style>
-            <a:lnRef idx="2">
-              <a:schemeClr val="accent1">
-                <a:shade val="15000"/>
-              </a:schemeClr>
-            </a:lnRef>
-            <a:fillRef idx="1">
-              <a:schemeClr val="accent1"/>
-            </a:fillRef>
-            <a:effectRef idx="0">
-              <a:schemeClr val="accent1"/>
-            </a:effectRef>
-            <a:fontRef idx="minor">
-              <a:schemeClr val="lt1"/>
-            </a:fontRef>
-          </p:style>
-          <p:txBody>
-            <a:bodyPr rtlCol="0" anchor="ctr"/>
-            <a:lstStyle/>
-            <a:p>
-              <a:pPr algn="ctr"/>
-              <a:endParaRPr kumimoji="1" lang="ja-JP" altLang="en-US"/>
-            </a:p>
-          </p:txBody>
-        </p:sp>
-        <p:sp>
-          <p:nvSpPr>
-            <p:cNvPr id="14" name="正方形/長方形 13">
-              <a:extLst>
-                <a:ext uri="{FF2B5EF4-FFF2-40B4-BE49-F238E27FC236}">
-                  <a16:creationId xmlns:a16="http://schemas.microsoft.com/office/drawing/2014/main" id="{FB836323-FFE3-4FEF-F420-F668CD7A6A89}"/>
-                </a:ext>
-              </a:extLst>
-            </p:cNvPr>
-            <p:cNvSpPr/>
-            <p:nvPr/>
-          </p:nvSpPr>
-          <p:spPr>
-            <a:xfrm>
-              <a:off x="3101204" y="2451925"/>
-              <a:ext cx="643868" cy="643868"/>
-            </a:xfrm>
-            <a:prstGeom prst="rect">
-              <a:avLst/>
-            </a:prstGeom>
-            <a:solidFill>
-              <a:schemeClr val="bg1"/>
-            </a:solidFill>
-            <a:ln w="38100">
-              <a:solidFill>
-                <a:schemeClr val="tx1"/>
-              </a:solidFill>
-            </a:ln>
-          </p:spPr>
-          <p:style>
-            <a:lnRef idx="2">
-              <a:schemeClr val="accent1">
-                <a:shade val="15000"/>
-              </a:schemeClr>
-            </a:lnRef>
-            <a:fillRef idx="1">
-              <a:schemeClr val="accent1"/>
-            </a:fillRef>
-            <a:effectRef idx="0">
-              <a:schemeClr val="accent1"/>
-            </a:effectRef>
-            <a:fontRef idx="minor">
-              <a:schemeClr val="lt1"/>
-            </a:fontRef>
-          </p:style>
-          <p:txBody>
-            <a:bodyPr rtlCol="0" anchor="ctr"/>
-            <a:lstStyle/>
-            <a:p>
-              <a:pPr algn="ctr"/>
-              <a:endParaRPr kumimoji="1" lang="ja-JP" altLang="en-US"/>
-            </a:p>
-          </p:txBody>
-        </p:sp>
-        <p:sp>
-          <p:nvSpPr>
-            <p:cNvPr id="15" name="正方形/長方形 14">
-              <a:extLst>
-                <a:ext uri="{FF2B5EF4-FFF2-40B4-BE49-F238E27FC236}">
-                  <a16:creationId xmlns:a16="http://schemas.microsoft.com/office/drawing/2014/main" id="{891A2416-E0BE-CF12-F33B-B3EFBDE08AF6}"/>
-                </a:ext>
-              </a:extLst>
-            </p:cNvPr>
-            <p:cNvSpPr/>
-            <p:nvPr/>
-          </p:nvSpPr>
-          <p:spPr>
-            <a:xfrm>
-              <a:off x="3745072" y="2451925"/>
-              <a:ext cx="643868" cy="643868"/>
-            </a:xfrm>
-            <a:prstGeom prst="rect">
-              <a:avLst/>
-            </a:prstGeom>
-            <a:solidFill>
-              <a:schemeClr val="bg1"/>
-            </a:solidFill>
-            <a:ln w="38100">
-              <a:solidFill>
-                <a:schemeClr val="tx1"/>
-              </a:solidFill>
-            </a:ln>
-          </p:spPr>
-          <p:style>
-            <a:lnRef idx="2">
-              <a:schemeClr val="accent1">
-                <a:shade val="15000"/>
-              </a:schemeClr>
-            </a:lnRef>
-            <a:fillRef idx="1">
-              <a:schemeClr val="accent1"/>
-            </a:fillRef>
-            <a:effectRef idx="0">
-              <a:schemeClr val="accent1"/>
-            </a:effectRef>
-            <a:fontRef idx="minor">
-              <a:schemeClr val="lt1"/>
-            </a:fontRef>
-          </p:style>
-          <p:txBody>
-            <a:bodyPr rtlCol="0" anchor="ctr"/>
-            <a:lstStyle/>
-            <a:p>
-              <a:pPr algn="ctr"/>
-              <a:endParaRPr kumimoji="1" lang="ja-JP" altLang="en-US"/>
-            </a:p>
-          </p:txBody>
-        </p:sp>
-        <p:sp>
-          <p:nvSpPr>
-            <p:cNvPr id="16" name="正方形/長方形 15">
-              <a:extLst>
-                <a:ext uri="{FF2B5EF4-FFF2-40B4-BE49-F238E27FC236}">
-                  <a16:creationId xmlns:a16="http://schemas.microsoft.com/office/drawing/2014/main" id="{CBCCA257-3B1D-7C63-0131-F9C3AE4B8314}"/>
-                </a:ext>
-              </a:extLst>
-            </p:cNvPr>
-            <p:cNvSpPr/>
-            <p:nvPr/>
-          </p:nvSpPr>
-          <p:spPr>
-            <a:xfrm>
-              <a:off x="4388940" y="2451925"/>
-              <a:ext cx="643868" cy="643868"/>
-            </a:xfrm>
-            <a:prstGeom prst="rect">
-              <a:avLst/>
-            </a:prstGeom>
-            <a:solidFill>
-              <a:schemeClr val="bg1"/>
-            </a:solidFill>
-            <a:ln w="38100">
-              <a:solidFill>
-                <a:schemeClr val="tx1"/>
-              </a:solidFill>
-            </a:ln>
-          </p:spPr>
-          <p:style>
-            <a:lnRef idx="2">
-              <a:schemeClr val="accent1">
-                <a:shade val="15000"/>
-              </a:schemeClr>
-            </a:lnRef>
-            <a:fillRef idx="1">
-              <a:schemeClr val="accent1"/>
-            </a:fillRef>
-            <a:effectRef idx="0">
-              <a:schemeClr val="accent1"/>
-            </a:effectRef>
-            <a:fontRef idx="minor">
-              <a:schemeClr val="lt1"/>
-            </a:fontRef>
-          </p:style>
-          <p:txBody>
-            <a:bodyPr rtlCol="0" anchor="ctr"/>
-            <a:lstStyle/>
-            <a:p>
-              <a:pPr algn="ctr"/>
-              <a:endParaRPr kumimoji="1" lang="ja-JP" altLang="en-US"/>
-            </a:p>
-          </p:txBody>
-        </p:sp>
-        <p:sp>
-          <p:nvSpPr>
-            <p:cNvPr id="18" name="正方形/長方形 17">
-              <a:extLst>
-                <a:ext uri="{FF2B5EF4-FFF2-40B4-BE49-F238E27FC236}">
-                  <a16:creationId xmlns:a16="http://schemas.microsoft.com/office/drawing/2014/main" id="{064B4105-3425-2920-A492-1ABBB9496E1F}"/>
-                </a:ext>
-              </a:extLst>
-            </p:cNvPr>
-            <p:cNvSpPr/>
-            <p:nvPr/>
-          </p:nvSpPr>
-          <p:spPr>
-            <a:xfrm>
-              <a:off x="3101204" y="1808057"/>
-              <a:ext cx="643868" cy="643868"/>
-            </a:xfrm>
-            <a:prstGeom prst="rect">
-              <a:avLst/>
-            </a:prstGeom>
-            <a:solidFill>
-              <a:schemeClr val="bg1"/>
-            </a:solidFill>
-            <a:ln w="38100">
-              <a:solidFill>
-                <a:schemeClr val="tx1"/>
-              </a:solidFill>
-            </a:ln>
-          </p:spPr>
-          <p:style>
-            <a:lnRef idx="2">
-              <a:schemeClr val="accent1">
-                <a:shade val="15000"/>
-              </a:schemeClr>
-            </a:lnRef>
-            <a:fillRef idx="1">
-              <a:schemeClr val="accent1"/>
-            </a:fillRef>
-            <a:effectRef idx="0">
-              <a:schemeClr val="accent1"/>
-            </a:effectRef>
-            <a:fontRef idx="minor">
-              <a:schemeClr val="lt1"/>
-            </a:fontRef>
-          </p:style>
-          <p:txBody>
-            <a:bodyPr rtlCol="0" anchor="ctr"/>
-            <a:lstStyle/>
-            <a:p>
-              <a:pPr algn="ctr"/>
-              <a:endParaRPr kumimoji="1" lang="ja-JP" altLang="en-US"/>
-            </a:p>
-          </p:txBody>
-        </p:sp>
-        <p:sp>
-          <p:nvSpPr>
-            <p:cNvPr id="19" name="正方形/長方形 18">
-              <a:extLst>
-                <a:ext uri="{FF2B5EF4-FFF2-40B4-BE49-F238E27FC236}">
-                  <a16:creationId xmlns:a16="http://schemas.microsoft.com/office/drawing/2014/main" id="{E7B0AD65-BFBD-861E-68F3-F38F951B8B4D}"/>
-                </a:ext>
-              </a:extLst>
-            </p:cNvPr>
-            <p:cNvSpPr/>
-            <p:nvPr/>
-          </p:nvSpPr>
-          <p:spPr>
-            <a:xfrm>
-              <a:off x="3745072" y="1808057"/>
-              <a:ext cx="643868" cy="643868"/>
-            </a:xfrm>
-            <a:prstGeom prst="rect">
-              <a:avLst/>
-            </a:prstGeom>
-            <a:solidFill>
-              <a:schemeClr val="bg1"/>
-            </a:solidFill>
-            <a:ln w="38100">
-              <a:solidFill>
-                <a:schemeClr val="tx1"/>
-              </a:solidFill>
-            </a:ln>
-          </p:spPr>
-          <p:style>
-            <a:lnRef idx="2">
-              <a:schemeClr val="accent1">
-                <a:shade val="15000"/>
-              </a:schemeClr>
-            </a:lnRef>
-            <a:fillRef idx="1">
-              <a:schemeClr val="accent1"/>
-            </a:fillRef>
-            <a:effectRef idx="0">
-              <a:schemeClr val="accent1"/>
-            </a:effectRef>
-            <a:fontRef idx="minor">
-              <a:schemeClr val="lt1"/>
-            </a:fontRef>
-          </p:style>
-          <p:txBody>
-            <a:bodyPr rtlCol="0" anchor="ctr"/>
-            <a:lstStyle/>
-            <a:p>
-              <a:pPr algn="ctr"/>
-              <a:endParaRPr kumimoji="1" lang="ja-JP" altLang="en-US"/>
-            </a:p>
-          </p:txBody>
-        </p:sp>
-        <p:sp>
-          <p:nvSpPr>
-            <p:cNvPr id="20" name="正方形/長方形 19">
-              <a:extLst>
-                <a:ext uri="{FF2B5EF4-FFF2-40B4-BE49-F238E27FC236}">
-                  <a16:creationId xmlns:a16="http://schemas.microsoft.com/office/drawing/2014/main" id="{CB9840F5-C686-74EF-581C-63506A51B539}"/>
-                </a:ext>
-              </a:extLst>
-            </p:cNvPr>
-            <p:cNvSpPr/>
-            <p:nvPr/>
-          </p:nvSpPr>
-          <p:spPr>
-            <a:xfrm>
-              <a:off x="4388940" y="1808057"/>
-              <a:ext cx="643868" cy="643868"/>
-            </a:xfrm>
-            <a:prstGeom prst="rect">
-              <a:avLst/>
-            </a:prstGeom>
-            <a:solidFill>
-              <a:schemeClr val="bg1"/>
-            </a:solidFill>
-            <a:ln w="38100">
-              <a:solidFill>
-                <a:schemeClr val="tx1"/>
-              </a:solidFill>
-            </a:ln>
-          </p:spPr>
-          <p:style>
-            <a:lnRef idx="2">
-              <a:schemeClr val="accent1">
-                <a:shade val="15000"/>
-              </a:schemeClr>
-            </a:lnRef>
-            <a:fillRef idx="1">
-              <a:schemeClr val="accent1"/>
-            </a:fillRef>
-            <a:effectRef idx="0">
-              <a:schemeClr val="accent1"/>
-            </a:effectRef>
-            <a:fontRef idx="minor">
-              <a:schemeClr val="lt1"/>
-            </a:fontRef>
-          </p:style>
-          <p:txBody>
-            <a:bodyPr rtlCol="0" anchor="ctr"/>
-            <a:lstStyle/>
-            <a:p>
-              <a:pPr algn="ctr"/>
-              <a:endParaRPr kumimoji="1" lang="ja-JP" altLang="en-US"/>
-            </a:p>
-          </p:txBody>
-        </p:sp>
-        <p:sp>
-          <p:nvSpPr>
-            <p:cNvPr id="27" name="楕円 26">
-              <a:extLst>
-                <a:ext uri="{FF2B5EF4-FFF2-40B4-BE49-F238E27FC236}">
-                  <a16:creationId xmlns:a16="http://schemas.microsoft.com/office/drawing/2014/main" id="{0D7AD1BC-3970-1C31-90E8-EB91E4AF7B1F}"/>
-                </a:ext>
-              </a:extLst>
-            </p:cNvPr>
-            <p:cNvSpPr/>
-            <p:nvPr/>
-          </p:nvSpPr>
-          <p:spPr>
-            <a:xfrm>
-              <a:off x="3670638" y="3665227"/>
-              <a:ext cx="148868" cy="148868"/>
-            </a:xfrm>
-            <a:prstGeom prst="ellipse">
-              <a:avLst/>
-            </a:prstGeom>
-            <a:solidFill>
-              <a:schemeClr val="bg1"/>
-            </a:solidFill>
-            <a:ln w="38100">
-              <a:solidFill>
-                <a:srgbClr val="0070C0"/>
-              </a:solidFill>
-            </a:ln>
-          </p:spPr>
-          <p:style>
-            <a:lnRef idx="2">
-              <a:schemeClr val="accent1">
-                <a:shade val="15000"/>
-              </a:schemeClr>
-            </a:lnRef>
-            <a:fillRef idx="1">
-              <a:schemeClr val="accent1"/>
-            </a:fillRef>
-            <a:effectRef idx="0">
-              <a:schemeClr val="accent1"/>
-            </a:effectRef>
-            <a:fontRef idx="minor">
-              <a:schemeClr val="lt1"/>
-            </a:fontRef>
-          </p:style>
-          <p:txBody>
-            <a:bodyPr rtlCol="0" anchor="ctr"/>
-            <a:lstStyle/>
-            <a:p>
-              <a:pPr algn="ctr"/>
-              <a:endParaRPr kumimoji="1" lang="ja-JP" altLang="en-US">
-                <a:solidFill>
-                  <a:srgbClr val="FF0000"/>
-                </a:solidFill>
-              </a:endParaRPr>
-            </a:p>
-          </p:txBody>
-        </p:sp>
-        <p:sp>
-          <p:nvSpPr>
-            <p:cNvPr id="28" name="楕円 27">
-              <a:extLst>
-                <a:ext uri="{FF2B5EF4-FFF2-40B4-BE49-F238E27FC236}">
-                  <a16:creationId xmlns:a16="http://schemas.microsoft.com/office/drawing/2014/main" id="{4A4A3E60-1C09-7B30-386B-A4BE76D6A660}"/>
-                </a:ext>
-              </a:extLst>
-            </p:cNvPr>
-            <p:cNvSpPr/>
-            <p:nvPr/>
-          </p:nvSpPr>
-          <p:spPr>
-            <a:xfrm>
-              <a:off x="4314506" y="3665227"/>
-              <a:ext cx="148868" cy="148868"/>
-            </a:xfrm>
-            <a:prstGeom prst="ellipse">
-              <a:avLst/>
-            </a:prstGeom>
-            <a:solidFill>
-              <a:schemeClr val="bg1"/>
-            </a:solidFill>
-            <a:ln w="38100">
-              <a:solidFill>
-                <a:srgbClr val="00B050"/>
-              </a:solidFill>
-            </a:ln>
-          </p:spPr>
-          <p:style>
-            <a:lnRef idx="2">
-              <a:schemeClr val="accent1">
-                <a:shade val="15000"/>
-              </a:schemeClr>
-            </a:lnRef>
-            <a:fillRef idx="1">
-              <a:schemeClr val="accent1"/>
-            </a:fillRef>
-            <a:effectRef idx="0">
-              <a:schemeClr val="accent1"/>
-            </a:effectRef>
-            <a:fontRef idx="minor">
-              <a:schemeClr val="lt1"/>
-            </a:fontRef>
-          </p:style>
-          <p:txBody>
-            <a:bodyPr rtlCol="0" anchor="ctr"/>
-            <a:lstStyle/>
-            <a:p>
-              <a:pPr algn="ctr"/>
-              <a:endParaRPr kumimoji="1" lang="ja-JP" altLang="en-US"/>
-            </a:p>
-          </p:txBody>
-        </p:sp>
-        <p:sp>
-          <p:nvSpPr>
-            <p:cNvPr id="29" name="楕円 28">
-              <a:extLst>
-                <a:ext uri="{FF2B5EF4-FFF2-40B4-BE49-F238E27FC236}">
-                  <a16:creationId xmlns:a16="http://schemas.microsoft.com/office/drawing/2014/main" id="{C4020CCE-881B-FEB4-D4CF-1909A1594F52}"/>
-                </a:ext>
-              </a:extLst>
-            </p:cNvPr>
-            <p:cNvSpPr/>
-            <p:nvPr/>
-          </p:nvSpPr>
-          <p:spPr>
-            <a:xfrm>
-              <a:off x="4958374" y="3665227"/>
-              <a:ext cx="148868" cy="148868"/>
-            </a:xfrm>
-            <a:prstGeom prst="ellipse">
-              <a:avLst/>
-            </a:prstGeom>
-            <a:solidFill>
-              <a:schemeClr val="bg1"/>
-            </a:solidFill>
-            <a:ln w="38100">
-              <a:solidFill>
-                <a:srgbClr val="00B050"/>
-              </a:solidFill>
-            </a:ln>
-          </p:spPr>
-          <p:style>
-            <a:lnRef idx="2">
-              <a:schemeClr val="accent1">
-                <a:shade val="15000"/>
-              </a:schemeClr>
-            </a:lnRef>
-            <a:fillRef idx="1">
-              <a:schemeClr val="accent1"/>
-            </a:fillRef>
-            <a:effectRef idx="0">
-              <a:schemeClr val="accent1"/>
-            </a:effectRef>
-            <a:fontRef idx="minor">
-              <a:schemeClr val="lt1"/>
-            </a:fontRef>
-          </p:style>
-          <p:txBody>
-            <a:bodyPr rtlCol="0" anchor="ctr"/>
-            <a:lstStyle/>
-            <a:p>
-              <a:pPr algn="ctr"/>
-              <a:endParaRPr kumimoji="1" lang="ja-JP" altLang="en-US"/>
-            </a:p>
-          </p:txBody>
-        </p:sp>
-        <p:sp>
-          <p:nvSpPr>
-            <p:cNvPr id="30" name="楕円 29">
-              <a:extLst>
-                <a:ext uri="{FF2B5EF4-FFF2-40B4-BE49-F238E27FC236}">
-                  <a16:creationId xmlns:a16="http://schemas.microsoft.com/office/drawing/2014/main" id="{F10B6F52-516C-DBE6-A473-A1A602A0BC9A}"/>
-                </a:ext>
-              </a:extLst>
-            </p:cNvPr>
-            <p:cNvSpPr/>
-            <p:nvPr/>
-          </p:nvSpPr>
-          <p:spPr>
-            <a:xfrm>
-              <a:off x="3026770" y="3021359"/>
-              <a:ext cx="148868" cy="148868"/>
-            </a:xfrm>
-            <a:prstGeom prst="ellipse">
-              <a:avLst/>
-            </a:prstGeom>
-            <a:solidFill>
-              <a:schemeClr val="bg1"/>
-            </a:solidFill>
-            <a:ln w="38100">
-              <a:solidFill>
-                <a:srgbClr val="0070C0"/>
-              </a:solidFill>
-            </a:ln>
-          </p:spPr>
-          <p:style>
-            <a:lnRef idx="2">
-              <a:schemeClr val="accent1">
-                <a:shade val="15000"/>
-              </a:schemeClr>
-            </a:lnRef>
-            <a:fillRef idx="1">
-              <a:schemeClr val="accent1"/>
-            </a:fillRef>
-            <a:effectRef idx="0">
-              <a:schemeClr val="accent1"/>
-            </a:effectRef>
-            <a:fontRef idx="minor">
-              <a:schemeClr val="lt1"/>
-            </a:fontRef>
-          </p:style>
-          <p:txBody>
-            <a:bodyPr rtlCol="0" anchor="ctr"/>
-            <a:lstStyle/>
-            <a:p>
-              <a:pPr algn="ctr"/>
-              <a:endParaRPr kumimoji="1" lang="ja-JP" altLang="en-US">
-                <a:solidFill>
-                  <a:srgbClr val="FF0000"/>
-                </a:solidFill>
-              </a:endParaRPr>
-            </a:p>
-          </p:txBody>
-        </p:sp>
-        <p:sp>
-          <p:nvSpPr>
-            <p:cNvPr id="31" name="楕円 30">
-              <a:extLst>
-                <a:ext uri="{FF2B5EF4-FFF2-40B4-BE49-F238E27FC236}">
-                  <a16:creationId xmlns:a16="http://schemas.microsoft.com/office/drawing/2014/main" id="{8197001F-30F8-0EEE-8DC5-E79F006ECA99}"/>
-                </a:ext>
-              </a:extLst>
-            </p:cNvPr>
-            <p:cNvSpPr/>
-            <p:nvPr/>
-          </p:nvSpPr>
-          <p:spPr>
-            <a:xfrm>
-              <a:off x="3670638" y="3021359"/>
-              <a:ext cx="148868" cy="148868"/>
-            </a:xfrm>
-            <a:prstGeom prst="ellipse">
-              <a:avLst/>
-            </a:prstGeom>
-            <a:solidFill>
-              <a:schemeClr val="bg1"/>
-            </a:solidFill>
-            <a:ln w="38100">
-              <a:solidFill>
-                <a:srgbClr val="0070C0"/>
-              </a:solidFill>
-            </a:ln>
-          </p:spPr>
-          <p:style>
-            <a:lnRef idx="2">
-              <a:schemeClr val="accent1">
-                <a:shade val="15000"/>
-              </a:schemeClr>
-            </a:lnRef>
-            <a:fillRef idx="1">
-              <a:schemeClr val="accent1"/>
-            </a:fillRef>
-            <a:effectRef idx="0">
-              <a:schemeClr val="accent1"/>
-            </a:effectRef>
-            <a:fontRef idx="minor">
-              <a:schemeClr val="lt1"/>
-            </a:fontRef>
-          </p:style>
-          <p:txBody>
-            <a:bodyPr rtlCol="0" anchor="ctr"/>
-            <a:lstStyle/>
-            <a:p>
-              <a:pPr algn="ctr"/>
-              <a:endParaRPr kumimoji="1" lang="ja-JP" altLang="en-US">
-                <a:solidFill>
-                  <a:srgbClr val="FF0000"/>
-                </a:solidFill>
-              </a:endParaRPr>
-            </a:p>
-          </p:txBody>
-        </p:sp>
-        <p:sp>
-          <p:nvSpPr>
-            <p:cNvPr id="32" name="楕円 31">
-              <a:extLst>
-                <a:ext uri="{FF2B5EF4-FFF2-40B4-BE49-F238E27FC236}">
-                  <a16:creationId xmlns:a16="http://schemas.microsoft.com/office/drawing/2014/main" id="{D470DA5F-2CA8-188B-E0A9-E10E5131AFF3}"/>
-                </a:ext>
-              </a:extLst>
-            </p:cNvPr>
-            <p:cNvSpPr/>
-            <p:nvPr/>
-          </p:nvSpPr>
-          <p:spPr>
-            <a:xfrm>
-              <a:off x="4314506" y="3021359"/>
-              <a:ext cx="148868" cy="148868"/>
-            </a:xfrm>
-            <a:prstGeom prst="ellipse">
-              <a:avLst/>
-            </a:prstGeom>
-            <a:solidFill>
-              <a:schemeClr val="bg1"/>
-            </a:solidFill>
-            <a:ln w="38100">
-              <a:solidFill>
-                <a:srgbClr val="00B050"/>
-              </a:solidFill>
-            </a:ln>
-          </p:spPr>
-          <p:style>
-            <a:lnRef idx="2">
-              <a:schemeClr val="accent1">
-                <a:shade val="15000"/>
-              </a:schemeClr>
-            </a:lnRef>
-            <a:fillRef idx="1">
-              <a:schemeClr val="accent1"/>
-            </a:fillRef>
-            <a:effectRef idx="0">
-              <a:schemeClr val="accent1"/>
-            </a:effectRef>
-            <a:fontRef idx="minor">
-              <a:schemeClr val="lt1"/>
-            </a:fontRef>
-          </p:style>
-          <p:txBody>
-            <a:bodyPr rtlCol="0" anchor="ctr"/>
-            <a:lstStyle/>
-            <a:p>
-              <a:pPr algn="ctr"/>
-              <a:endParaRPr kumimoji="1" lang="ja-JP" altLang="en-US"/>
-            </a:p>
-          </p:txBody>
-        </p:sp>
-        <p:sp>
-          <p:nvSpPr>
-            <p:cNvPr id="33" name="楕円 32">
-              <a:extLst>
-                <a:ext uri="{FF2B5EF4-FFF2-40B4-BE49-F238E27FC236}">
-                  <a16:creationId xmlns:a16="http://schemas.microsoft.com/office/drawing/2014/main" id="{D87DEFB3-C551-E4B3-B494-D68B753F4FBA}"/>
-                </a:ext>
-              </a:extLst>
-            </p:cNvPr>
-            <p:cNvSpPr/>
-            <p:nvPr/>
-          </p:nvSpPr>
-          <p:spPr>
-            <a:xfrm>
-              <a:off x="4958374" y="3021359"/>
-              <a:ext cx="148868" cy="148868"/>
-            </a:xfrm>
-            <a:prstGeom prst="ellipse">
-              <a:avLst/>
-            </a:prstGeom>
-            <a:solidFill>
-              <a:schemeClr val="bg1"/>
-            </a:solidFill>
-            <a:ln w="38100">
-              <a:solidFill>
-                <a:srgbClr val="00B050"/>
-              </a:solidFill>
-            </a:ln>
-          </p:spPr>
-          <p:style>
-            <a:lnRef idx="2">
-              <a:schemeClr val="accent1">
-                <a:shade val="15000"/>
-              </a:schemeClr>
-            </a:lnRef>
-            <a:fillRef idx="1">
-              <a:schemeClr val="accent1"/>
-            </a:fillRef>
-            <a:effectRef idx="0">
-              <a:schemeClr val="accent1"/>
-            </a:effectRef>
-            <a:fontRef idx="minor">
-              <a:schemeClr val="lt1"/>
-            </a:fontRef>
-          </p:style>
-          <p:txBody>
-            <a:bodyPr rtlCol="0" anchor="ctr"/>
-            <a:lstStyle/>
-            <a:p>
-              <a:pPr algn="ctr"/>
-              <a:endParaRPr kumimoji="1" lang="ja-JP" altLang="en-US"/>
-            </a:p>
-          </p:txBody>
-        </p:sp>
-        <p:sp>
-          <p:nvSpPr>
-            <p:cNvPr id="34" name="楕円 33">
-              <a:extLst>
-                <a:ext uri="{FF2B5EF4-FFF2-40B4-BE49-F238E27FC236}">
-                  <a16:creationId xmlns:a16="http://schemas.microsoft.com/office/drawing/2014/main" id="{B5989342-5E45-74A8-BFB5-CAA6CE0E9BDA}"/>
-                </a:ext>
-              </a:extLst>
-            </p:cNvPr>
-            <p:cNvSpPr/>
-            <p:nvPr/>
-          </p:nvSpPr>
-          <p:spPr>
-            <a:xfrm>
-              <a:off x="3026770" y="2377491"/>
-              <a:ext cx="148868" cy="148868"/>
-            </a:xfrm>
-            <a:prstGeom prst="ellipse">
-              <a:avLst/>
-            </a:prstGeom>
-            <a:solidFill>
-              <a:schemeClr val="bg1"/>
-            </a:solidFill>
-            <a:ln w="38100">
-              <a:solidFill>
-                <a:srgbClr val="FF0000"/>
-              </a:solidFill>
-            </a:ln>
-          </p:spPr>
-          <p:style>
-            <a:lnRef idx="2">
-              <a:schemeClr val="accent1">
-                <a:shade val="15000"/>
-              </a:schemeClr>
-            </a:lnRef>
-            <a:fillRef idx="1">
-              <a:schemeClr val="accent1"/>
-            </a:fillRef>
-            <a:effectRef idx="0">
-              <a:schemeClr val="accent1"/>
-            </a:effectRef>
-            <a:fontRef idx="minor">
-              <a:schemeClr val="lt1"/>
-            </a:fontRef>
-          </p:style>
-          <p:txBody>
-            <a:bodyPr rtlCol="0" anchor="ctr"/>
-            <a:lstStyle/>
-            <a:p>
-              <a:pPr algn="ctr"/>
-              <a:endParaRPr kumimoji="1" lang="ja-JP" altLang="en-US"/>
-            </a:p>
-          </p:txBody>
-        </p:sp>
-        <p:sp>
-          <p:nvSpPr>
-            <p:cNvPr id="35" name="楕円 34">
-              <a:extLst>
-                <a:ext uri="{FF2B5EF4-FFF2-40B4-BE49-F238E27FC236}">
-                  <a16:creationId xmlns:a16="http://schemas.microsoft.com/office/drawing/2014/main" id="{52F6DB58-2E94-2362-2FB8-527D30280DD1}"/>
-                </a:ext>
-              </a:extLst>
-            </p:cNvPr>
-            <p:cNvSpPr/>
-            <p:nvPr/>
-          </p:nvSpPr>
-          <p:spPr>
-            <a:xfrm>
-              <a:off x="3670638" y="2377491"/>
-              <a:ext cx="148868" cy="148868"/>
-            </a:xfrm>
-            <a:prstGeom prst="ellipse">
-              <a:avLst/>
-            </a:prstGeom>
-            <a:solidFill>
-              <a:schemeClr val="bg1"/>
-            </a:solidFill>
-            <a:ln w="38100">
-              <a:solidFill>
-                <a:srgbClr val="FF0000"/>
-              </a:solidFill>
-            </a:ln>
-          </p:spPr>
-          <p:style>
-            <a:lnRef idx="2">
-              <a:schemeClr val="accent1">
-                <a:shade val="15000"/>
-              </a:schemeClr>
-            </a:lnRef>
-            <a:fillRef idx="1">
-              <a:schemeClr val="accent1"/>
-            </a:fillRef>
-            <a:effectRef idx="0">
-              <a:schemeClr val="accent1"/>
-            </a:effectRef>
-            <a:fontRef idx="minor">
-              <a:schemeClr val="lt1"/>
-            </a:fontRef>
-          </p:style>
-          <p:txBody>
-            <a:bodyPr rtlCol="0" anchor="ctr"/>
-            <a:lstStyle/>
-            <a:p>
-              <a:pPr algn="ctr"/>
-              <a:endParaRPr kumimoji="1" lang="ja-JP" altLang="en-US"/>
-            </a:p>
-          </p:txBody>
-        </p:sp>
-        <p:sp>
-          <p:nvSpPr>
-            <p:cNvPr id="36" name="楕円 35">
-              <a:extLst>
-                <a:ext uri="{FF2B5EF4-FFF2-40B4-BE49-F238E27FC236}">
-                  <a16:creationId xmlns:a16="http://schemas.microsoft.com/office/drawing/2014/main" id="{25A67A7B-E48B-2B1C-8143-057FA5897E86}"/>
-                </a:ext>
-              </a:extLst>
-            </p:cNvPr>
-            <p:cNvSpPr/>
-            <p:nvPr/>
-          </p:nvSpPr>
-          <p:spPr>
-            <a:xfrm>
-              <a:off x="4314506" y="2377491"/>
-              <a:ext cx="148868" cy="148868"/>
-            </a:xfrm>
-            <a:prstGeom prst="ellipse">
-              <a:avLst/>
-            </a:prstGeom>
-            <a:solidFill>
-              <a:schemeClr val="bg1"/>
-            </a:solidFill>
-            <a:ln w="38100">
-              <a:solidFill>
-                <a:srgbClr val="FFFF00"/>
-              </a:solidFill>
-            </a:ln>
-          </p:spPr>
-          <p:style>
-            <a:lnRef idx="2">
-              <a:schemeClr val="accent1">
-                <a:shade val="15000"/>
-              </a:schemeClr>
-            </a:lnRef>
-            <a:fillRef idx="1">
-              <a:schemeClr val="accent1"/>
-            </a:fillRef>
-            <a:effectRef idx="0">
-              <a:schemeClr val="accent1"/>
-            </a:effectRef>
-            <a:fontRef idx="minor">
-              <a:schemeClr val="lt1"/>
-            </a:fontRef>
-          </p:style>
-          <p:txBody>
-            <a:bodyPr rtlCol="0" anchor="ctr"/>
-            <a:lstStyle/>
-            <a:p>
-              <a:pPr algn="ctr"/>
-              <a:endParaRPr kumimoji="1" lang="ja-JP" altLang="en-US"/>
-            </a:p>
-          </p:txBody>
-        </p:sp>
-        <p:sp>
-          <p:nvSpPr>
-            <p:cNvPr id="37" name="楕円 36">
-              <a:extLst>
-                <a:ext uri="{FF2B5EF4-FFF2-40B4-BE49-F238E27FC236}">
-                  <a16:creationId xmlns:a16="http://schemas.microsoft.com/office/drawing/2014/main" id="{F7A835C2-46BA-A190-C863-BFC9F8BBB076}"/>
-                </a:ext>
-              </a:extLst>
-            </p:cNvPr>
-            <p:cNvSpPr/>
-            <p:nvPr/>
-          </p:nvSpPr>
-          <p:spPr>
-            <a:xfrm>
-              <a:off x="4958374" y="2377491"/>
-              <a:ext cx="148868" cy="148868"/>
-            </a:xfrm>
-            <a:prstGeom prst="ellipse">
-              <a:avLst/>
-            </a:prstGeom>
-            <a:solidFill>
-              <a:schemeClr val="bg1"/>
-            </a:solidFill>
-            <a:ln w="38100">
-              <a:solidFill>
-                <a:srgbClr val="FFFF00"/>
-              </a:solidFill>
-            </a:ln>
-          </p:spPr>
-          <p:style>
-            <a:lnRef idx="2">
-              <a:schemeClr val="accent1">
-                <a:shade val="15000"/>
-              </a:schemeClr>
-            </a:lnRef>
-            <a:fillRef idx="1">
-              <a:schemeClr val="accent1"/>
-            </a:fillRef>
-            <a:effectRef idx="0">
-              <a:schemeClr val="accent1"/>
-            </a:effectRef>
-            <a:fontRef idx="minor">
-              <a:schemeClr val="lt1"/>
-            </a:fontRef>
-          </p:style>
-          <p:txBody>
-            <a:bodyPr rtlCol="0" anchor="ctr"/>
-            <a:lstStyle/>
-            <a:p>
-              <a:pPr algn="ctr"/>
-              <a:endParaRPr kumimoji="1" lang="ja-JP" altLang="en-US"/>
-            </a:p>
-          </p:txBody>
-        </p:sp>
-        <p:sp>
-          <p:nvSpPr>
-            <p:cNvPr id="38" name="楕円 37">
-              <a:extLst>
-                <a:ext uri="{FF2B5EF4-FFF2-40B4-BE49-F238E27FC236}">
-                  <a16:creationId xmlns:a16="http://schemas.microsoft.com/office/drawing/2014/main" id="{239F829B-17EA-B18E-D695-87CBAB23EA75}"/>
-                </a:ext>
-              </a:extLst>
-            </p:cNvPr>
-            <p:cNvSpPr/>
-            <p:nvPr/>
-          </p:nvSpPr>
-          <p:spPr>
-            <a:xfrm>
-              <a:off x="3026770" y="1733623"/>
-              <a:ext cx="148868" cy="148868"/>
-            </a:xfrm>
-            <a:prstGeom prst="ellipse">
-              <a:avLst/>
-            </a:prstGeom>
-            <a:solidFill>
-              <a:schemeClr val="bg1"/>
-            </a:solidFill>
-            <a:ln w="38100">
-              <a:solidFill>
-                <a:srgbClr val="FF0000"/>
-              </a:solidFill>
-            </a:ln>
-          </p:spPr>
-          <p:style>
-            <a:lnRef idx="2">
-              <a:schemeClr val="accent1">
-                <a:shade val="15000"/>
-              </a:schemeClr>
-            </a:lnRef>
-            <a:fillRef idx="1">
-              <a:schemeClr val="accent1"/>
-            </a:fillRef>
-            <a:effectRef idx="0">
-              <a:schemeClr val="accent1"/>
-            </a:effectRef>
-            <a:fontRef idx="minor">
-              <a:schemeClr val="lt1"/>
-            </a:fontRef>
-          </p:style>
-          <p:txBody>
-            <a:bodyPr rtlCol="0" anchor="ctr"/>
-            <a:lstStyle/>
-            <a:p>
-              <a:pPr algn="ctr"/>
-              <a:endParaRPr kumimoji="1" lang="ja-JP" altLang="en-US"/>
-            </a:p>
-          </p:txBody>
-        </p:sp>
-        <p:sp>
-          <p:nvSpPr>
-            <p:cNvPr id="39" name="楕円 38">
-              <a:extLst>
-                <a:ext uri="{FF2B5EF4-FFF2-40B4-BE49-F238E27FC236}">
-                  <a16:creationId xmlns:a16="http://schemas.microsoft.com/office/drawing/2014/main" id="{E00C36EE-975C-7C7A-EA56-DBDA98AACAA0}"/>
-                </a:ext>
-              </a:extLst>
-            </p:cNvPr>
-            <p:cNvSpPr/>
-            <p:nvPr/>
-          </p:nvSpPr>
-          <p:spPr>
-            <a:xfrm>
-              <a:off x="3670638" y="1733623"/>
-              <a:ext cx="148868" cy="148868"/>
-            </a:xfrm>
-            <a:prstGeom prst="ellipse">
-              <a:avLst/>
-            </a:prstGeom>
-            <a:solidFill>
-              <a:schemeClr val="bg1"/>
-            </a:solidFill>
-            <a:ln w="38100">
-              <a:solidFill>
-                <a:srgbClr val="FF0000"/>
-              </a:solidFill>
-            </a:ln>
-          </p:spPr>
-          <p:style>
-            <a:lnRef idx="2">
-              <a:schemeClr val="accent1">
-                <a:shade val="15000"/>
-              </a:schemeClr>
-            </a:lnRef>
-            <a:fillRef idx="1">
-              <a:schemeClr val="accent1"/>
-            </a:fillRef>
-            <a:effectRef idx="0">
-              <a:schemeClr val="accent1"/>
-            </a:effectRef>
-            <a:fontRef idx="minor">
-              <a:schemeClr val="lt1"/>
-            </a:fontRef>
-          </p:style>
-          <p:txBody>
-            <a:bodyPr rtlCol="0" anchor="ctr"/>
-            <a:lstStyle/>
-            <a:p>
-              <a:pPr algn="ctr"/>
-              <a:endParaRPr kumimoji="1" lang="ja-JP" altLang="en-US"/>
-            </a:p>
-          </p:txBody>
-        </p:sp>
-        <p:sp>
-          <p:nvSpPr>
-            <p:cNvPr id="40" name="楕円 39">
-              <a:extLst>
-                <a:ext uri="{FF2B5EF4-FFF2-40B4-BE49-F238E27FC236}">
-                  <a16:creationId xmlns:a16="http://schemas.microsoft.com/office/drawing/2014/main" id="{F6DCD440-4A98-BF4A-0746-AAFC6B3B1B11}"/>
-                </a:ext>
-              </a:extLst>
-            </p:cNvPr>
-            <p:cNvSpPr/>
-            <p:nvPr/>
-          </p:nvSpPr>
-          <p:spPr>
-            <a:xfrm>
-              <a:off x="4314506" y="1733623"/>
-              <a:ext cx="148868" cy="148868"/>
-            </a:xfrm>
-            <a:prstGeom prst="ellipse">
-              <a:avLst/>
-            </a:prstGeom>
-            <a:solidFill>
-              <a:schemeClr val="bg1"/>
-            </a:solidFill>
-            <a:ln w="38100">
-              <a:solidFill>
-                <a:srgbClr val="FFFF00"/>
-              </a:solidFill>
-            </a:ln>
-          </p:spPr>
-          <p:style>
-            <a:lnRef idx="2">
-              <a:schemeClr val="accent1">
-                <a:shade val="15000"/>
-              </a:schemeClr>
-            </a:lnRef>
-            <a:fillRef idx="1">
-              <a:schemeClr val="accent1"/>
-            </a:fillRef>
-            <a:effectRef idx="0">
-              <a:schemeClr val="accent1"/>
-            </a:effectRef>
-            <a:fontRef idx="minor">
-              <a:schemeClr val="lt1"/>
-            </a:fontRef>
-          </p:style>
-          <p:txBody>
-            <a:bodyPr rtlCol="0" anchor="ctr"/>
-            <a:lstStyle/>
-            <a:p>
-              <a:pPr algn="ctr"/>
-              <a:endParaRPr kumimoji="1" lang="ja-JP" altLang="en-US"/>
-            </a:p>
-          </p:txBody>
-        </p:sp>
-        <p:sp>
-          <p:nvSpPr>
-            <p:cNvPr id="41" name="楕円 40">
-              <a:extLst>
-                <a:ext uri="{FF2B5EF4-FFF2-40B4-BE49-F238E27FC236}">
-                  <a16:creationId xmlns:a16="http://schemas.microsoft.com/office/drawing/2014/main" id="{F79A0CF1-4148-4477-35FE-ACC2192FA1C7}"/>
-                </a:ext>
-              </a:extLst>
-            </p:cNvPr>
-            <p:cNvSpPr/>
-            <p:nvPr/>
-          </p:nvSpPr>
-          <p:spPr>
-            <a:xfrm>
-              <a:off x="4958374" y="1733623"/>
-              <a:ext cx="148868" cy="148868"/>
-            </a:xfrm>
-            <a:prstGeom prst="ellipse">
-              <a:avLst/>
-            </a:prstGeom>
-            <a:solidFill>
-              <a:schemeClr val="bg1"/>
-            </a:solidFill>
-            <a:ln w="38100">
-              <a:solidFill>
-                <a:srgbClr val="FFFF00"/>
-              </a:solidFill>
-            </a:ln>
-          </p:spPr>
-          <p:style>
-            <a:lnRef idx="2">
-              <a:schemeClr val="accent1">
-                <a:shade val="15000"/>
-              </a:schemeClr>
-            </a:lnRef>
-            <a:fillRef idx="1">
-              <a:schemeClr val="accent1"/>
-            </a:fillRef>
-            <a:effectRef idx="0">
-              <a:schemeClr val="accent1"/>
-            </a:effectRef>
-            <a:fontRef idx="minor">
-              <a:schemeClr val="lt1"/>
-            </a:fontRef>
-          </p:style>
-          <p:txBody>
-            <a:bodyPr rtlCol="0" anchor="ctr"/>
-            <a:lstStyle/>
-            <a:p>
-              <a:pPr algn="ctr"/>
-              <a:endParaRPr kumimoji="1" lang="ja-JP" altLang="en-US"/>
-            </a:p>
-          </p:txBody>
-        </p:sp>
-      </p:grpSp>
-      <p:cxnSp>
-        <p:nvCxnSpPr>
-          <p:cNvPr id="43" name="直線コネクタ 42">
-            <a:extLst>
-              <a:ext uri="{FF2B5EF4-FFF2-40B4-BE49-F238E27FC236}">
-                <a16:creationId xmlns:a16="http://schemas.microsoft.com/office/drawing/2014/main" id="{95731377-B0AC-28A6-DF04-03F6A97177F3}"/>
-              </a:ext>
-            </a:extLst>
-          </p:cNvPr>
-          <p:cNvCxnSpPr/>
-          <p:nvPr/>
-        </p:nvCxnSpPr>
-        <p:spPr>
-          <a:xfrm>
-            <a:off x="1275347" y="3513966"/>
-            <a:ext cx="0" cy="871087"/>
-          </a:xfrm>
-          <a:prstGeom prst="line">
-            <a:avLst/>
-          </a:prstGeom>
-          <a:ln w="38100">
-            <a:solidFill>
-              <a:schemeClr val="tx1"/>
-            </a:solidFill>
-          </a:ln>
-        </p:spPr>
-        <p:style>
-          <a:lnRef idx="1">
-            <a:schemeClr val="accent1"/>
-          </a:lnRef>
-          <a:fillRef idx="0">
-            <a:schemeClr val="accent1"/>
-          </a:fillRef>
-          <a:effectRef idx="0">
-            <a:schemeClr val="accent1"/>
-          </a:effectRef>
-          <a:fontRef idx="minor">
-            <a:schemeClr val="tx1"/>
-          </a:fontRef>
-        </p:style>
-      </p:cxnSp>
-      <p:cxnSp>
-        <p:nvCxnSpPr>
-          <p:cNvPr id="44" name="直線コネクタ 43">
-            <a:extLst>
-              <a:ext uri="{FF2B5EF4-FFF2-40B4-BE49-F238E27FC236}">
-                <a16:creationId xmlns:a16="http://schemas.microsoft.com/office/drawing/2014/main" id="{0EE66973-B28F-27F8-F706-9B6C976A3BE1}"/>
-              </a:ext>
-            </a:extLst>
-          </p:cNvPr>
-          <p:cNvCxnSpPr>
-            <a:cxnSpLocks/>
-          </p:cNvCxnSpPr>
-          <p:nvPr/>
-        </p:nvCxnSpPr>
-        <p:spPr>
-          <a:xfrm>
-            <a:off x="7222156" y="457200"/>
-            <a:ext cx="0" cy="4008063"/>
-          </a:xfrm>
-          <a:prstGeom prst="line">
-            <a:avLst/>
-          </a:prstGeom>
-          <a:ln w="38100">
-            <a:solidFill>
-              <a:schemeClr val="tx1"/>
-            </a:solidFill>
-          </a:ln>
-        </p:spPr>
-        <p:style>
-          <a:lnRef idx="1">
-            <a:schemeClr val="accent1"/>
-          </a:lnRef>
-          <a:fillRef idx="0">
-            <a:schemeClr val="accent1"/>
-          </a:fillRef>
-          <a:effectRef idx="0">
-            <a:schemeClr val="accent1"/>
-          </a:effectRef>
-          <a:fontRef idx="minor">
-            <a:schemeClr val="tx1"/>
-          </a:fontRef>
-        </p:style>
-      </p:cxnSp>
-      <p:cxnSp>
-        <p:nvCxnSpPr>
-          <p:cNvPr id="47" name="直線コネクタ 46">
-            <a:extLst>
-              <a:ext uri="{FF2B5EF4-FFF2-40B4-BE49-F238E27FC236}">
-                <a16:creationId xmlns:a16="http://schemas.microsoft.com/office/drawing/2014/main" id="{E6B0DD0B-F942-B058-0440-0E1165A29145}"/>
-              </a:ext>
-            </a:extLst>
-          </p:cNvPr>
-          <p:cNvCxnSpPr/>
-          <p:nvPr/>
-        </p:nvCxnSpPr>
-        <p:spPr>
-          <a:xfrm>
-            <a:off x="6054291" y="1145406"/>
-            <a:ext cx="630454" cy="0"/>
-          </a:xfrm>
-          <a:prstGeom prst="line">
-            <a:avLst/>
-          </a:prstGeom>
-          <a:ln w="12700">
-            <a:solidFill>
-              <a:srgbClr val="FF0000"/>
-            </a:solidFill>
-          </a:ln>
-        </p:spPr>
-        <p:style>
-          <a:lnRef idx="1">
-            <a:schemeClr val="accent1"/>
-          </a:lnRef>
-          <a:fillRef idx="0">
-            <a:schemeClr val="accent1"/>
-          </a:fillRef>
-          <a:effectRef idx="0">
-            <a:schemeClr val="accent1"/>
-          </a:effectRef>
-          <a:fontRef idx="minor">
-            <a:schemeClr val="tx1"/>
-          </a:fontRef>
-        </p:style>
-      </p:cxnSp>
-      <p:cxnSp>
-        <p:nvCxnSpPr>
-          <p:cNvPr id="48" name="直線コネクタ 47">
-            <a:extLst>
-              <a:ext uri="{FF2B5EF4-FFF2-40B4-BE49-F238E27FC236}">
-                <a16:creationId xmlns:a16="http://schemas.microsoft.com/office/drawing/2014/main" id="{8EE34B69-8A2B-6D67-C0DC-CF548E0E7A70}"/>
-              </a:ext>
-            </a:extLst>
-          </p:cNvPr>
-          <p:cNvCxnSpPr/>
-          <p:nvPr/>
-        </p:nvCxnSpPr>
-        <p:spPr>
-          <a:xfrm>
-            <a:off x="7732295" y="1145406"/>
-            <a:ext cx="630454" cy="0"/>
-          </a:xfrm>
-          <a:prstGeom prst="line">
-            <a:avLst/>
-          </a:prstGeom>
-          <a:ln w="12700">
-            <a:solidFill>
-              <a:srgbClr val="FF0000"/>
-            </a:solidFill>
-          </a:ln>
-        </p:spPr>
-        <p:style>
-          <a:lnRef idx="1">
-            <a:schemeClr val="accent1"/>
-          </a:lnRef>
-          <a:fillRef idx="0">
-            <a:schemeClr val="accent1"/>
-          </a:fillRef>
-          <a:effectRef idx="0">
-            <a:schemeClr val="accent1"/>
-          </a:effectRef>
-          <a:fontRef idx="minor">
-            <a:schemeClr val="tx1"/>
-          </a:fontRef>
-        </p:style>
-      </p:cxnSp>
-      <p:sp>
-        <p:nvSpPr>
-          <p:cNvPr id="49" name="テキスト ボックス 48">
-            <a:extLst>
-              <a:ext uri="{FF2B5EF4-FFF2-40B4-BE49-F238E27FC236}">
-                <a16:creationId xmlns:a16="http://schemas.microsoft.com/office/drawing/2014/main" id="{E64381C2-B742-7427-483E-6F188F17699E}"/>
-              </a:ext>
-            </a:extLst>
-          </p:cNvPr>
-          <p:cNvSpPr txBox="1"/>
-          <p:nvPr/>
-        </p:nvSpPr>
-        <p:spPr>
-          <a:xfrm>
-            <a:off x="1375207" y="654341"/>
-            <a:ext cx="2359941" cy="369332"/>
-          </a:xfrm>
-          <a:prstGeom prst="rect">
-            <a:avLst/>
-          </a:prstGeom>
-          <a:noFill/>
-        </p:spPr>
-        <p:txBody>
-          <a:bodyPr wrap="none" rtlCol="0">
-            <a:spAutoFit/>
-          </a:bodyPr>
-          <a:lstStyle/>
-          <a:p>
-            <a:r>
-              <a:rPr kumimoji="1" lang="en-US" altLang="ja-JP" dirty="0"/>
-              <a:t>L</a:t>
-            </a:r>
-            <a:r>
-              <a:rPr kumimoji="1" lang="ja-JP" altLang="en-US" dirty="0"/>
-              <a:t>コース　パターン５</a:t>
-            </a:r>
-            <a:endParaRPr kumimoji="1" lang="en-US" altLang="ja-JP" dirty="0"/>
-          </a:p>
-        </p:txBody>
-      </p:sp>
-      <p:sp>
-        <p:nvSpPr>
-          <p:cNvPr id="4" name="正方形/長方形 3">
-            <a:extLst>
-              <a:ext uri="{FF2B5EF4-FFF2-40B4-BE49-F238E27FC236}">
-                <a16:creationId xmlns:a16="http://schemas.microsoft.com/office/drawing/2014/main" id="{D974E008-B6B6-7264-5DE3-F74950E161D4}"/>
-              </a:ext>
-            </a:extLst>
-          </p:cNvPr>
-          <p:cNvSpPr/>
-          <p:nvPr/>
-        </p:nvSpPr>
-        <p:spPr>
-          <a:xfrm>
-            <a:off x="4252574" y="2959427"/>
-            <a:ext cx="280722" cy="280722"/>
-          </a:xfrm>
-          <a:prstGeom prst="rect">
-            <a:avLst/>
-          </a:prstGeom>
-          <a:noFill/>
-          <a:ln>
-            <a:solidFill>
-              <a:schemeClr val="tx1"/>
-            </a:solidFill>
-          </a:ln>
-        </p:spPr>
-        <p:style>
-          <a:lnRef idx="2">
-            <a:schemeClr val="accent1">
-              <a:shade val="15000"/>
-            </a:schemeClr>
-          </a:lnRef>
-          <a:fillRef idx="1">
-            <a:schemeClr val="accent1"/>
-          </a:fillRef>
-          <a:effectRef idx="0">
-            <a:schemeClr val="accent1"/>
-          </a:effectRef>
-          <a:fontRef idx="minor">
-            <a:schemeClr val="lt1"/>
-          </a:fontRef>
-        </p:style>
-        <p:txBody>
-          <a:bodyPr rtlCol="0" anchor="ctr"/>
-          <a:lstStyle/>
-          <a:p>
-            <a:pPr algn="ctr"/>
-            <a:endParaRPr kumimoji="1" lang="ja-JP" altLang="en-US"/>
-          </a:p>
-        </p:txBody>
-      </p:sp>
-      <p:sp>
-        <p:nvSpPr>
-          <p:cNvPr id="5" name="正方形/長方形 4">
-            <a:extLst>
-              <a:ext uri="{FF2B5EF4-FFF2-40B4-BE49-F238E27FC236}">
-                <a16:creationId xmlns:a16="http://schemas.microsoft.com/office/drawing/2014/main" id="{0675BF49-46F1-FF62-A1F4-5463778658FD}"/>
-              </a:ext>
-            </a:extLst>
-          </p:cNvPr>
-          <p:cNvSpPr/>
-          <p:nvPr/>
-        </p:nvSpPr>
-        <p:spPr>
-          <a:xfrm>
-            <a:off x="2964838" y="1667541"/>
-            <a:ext cx="280722" cy="280722"/>
-          </a:xfrm>
-          <a:prstGeom prst="rect">
-            <a:avLst/>
-          </a:prstGeom>
-          <a:noFill/>
-          <a:ln>
-            <a:solidFill>
-              <a:schemeClr val="tx1"/>
-            </a:solidFill>
-          </a:ln>
-        </p:spPr>
-        <p:style>
-          <a:lnRef idx="2">
-            <a:schemeClr val="accent1">
-              <a:shade val="15000"/>
-            </a:schemeClr>
-          </a:lnRef>
-          <a:fillRef idx="1">
-            <a:schemeClr val="accent1"/>
-          </a:fillRef>
-          <a:effectRef idx="0">
-            <a:schemeClr val="accent1"/>
-          </a:effectRef>
-          <a:fontRef idx="minor">
-            <a:schemeClr val="lt1"/>
-          </a:fontRef>
-        </p:style>
-        <p:txBody>
-          <a:bodyPr rtlCol="0" anchor="ctr"/>
-          <a:lstStyle/>
-          <a:p>
-            <a:pPr algn="ctr"/>
-            <a:endParaRPr kumimoji="1" lang="ja-JP" altLang="en-US"/>
-          </a:p>
-        </p:txBody>
-      </p:sp>
-      <p:sp>
-        <p:nvSpPr>
-          <p:cNvPr id="12" name="正方形/長方形 11">
-            <a:extLst>
-              <a:ext uri="{FF2B5EF4-FFF2-40B4-BE49-F238E27FC236}">
-                <a16:creationId xmlns:a16="http://schemas.microsoft.com/office/drawing/2014/main" id="{2866D726-BD63-CC1B-7686-0590E577563F}"/>
-              </a:ext>
-            </a:extLst>
-          </p:cNvPr>
-          <p:cNvSpPr/>
-          <p:nvPr/>
-        </p:nvSpPr>
-        <p:spPr>
-          <a:xfrm>
-            <a:off x="3594886" y="3599455"/>
-            <a:ext cx="280722" cy="280722"/>
-          </a:xfrm>
-          <a:prstGeom prst="rect">
-            <a:avLst/>
-          </a:prstGeom>
-          <a:noFill/>
-          <a:ln>
-            <a:solidFill>
-              <a:schemeClr val="tx1"/>
-            </a:solidFill>
-          </a:ln>
-        </p:spPr>
-        <p:style>
-          <a:lnRef idx="2">
-            <a:schemeClr val="accent1">
-              <a:shade val="15000"/>
-            </a:schemeClr>
-          </a:lnRef>
-          <a:fillRef idx="1">
-            <a:schemeClr val="accent1"/>
-          </a:fillRef>
-          <a:effectRef idx="0">
-            <a:schemeClr val="accent1"/>
-          </a:effectRef>
-          <a:fontRef idx="minor">
-            <a:schemeClr val="lt1"/>
-          </a:fontRef>
-        </p:style>
-        <p:txBody>
-          <a:bodyPr rtlCol="0" anchor="ctr"/>
-          <a:lstStyle/>
-          <a:p>
-            <a:pPr algn="ctr"/>
-            <a:endParaRPr kumimoji="1" lang="ja-JP" altLang="en-US"/>
-          </a:p>
-        </p:txBody>
-      </p:sp>
-    </p:spTree>
-    <p:extLst>
-      <p:ext uri="{BB962C8B-B14F-4D97-AF65-F5344CB8AC3E}">
-        <p14:creationId xmlns:p14="http://schemas.microsoft.com/office/powerpoint/2010/main" val="644482638"/>
       </p:ext>
     </p:extLst>
   </p:cSld>
